--- a/overview.pptx
+++ b/overview.pptx
@@ -6,7 +6,9 @@
   </p:sldMasterIdLst>
   <p:sldIdLst>
     <p:sldId id="256" r:id="rId2"/>
-    <p:sldId id="257" r:id="rId3"/>
+    <p:sldId id="258" r:id="rId3"/>
+    <p:sldId id="259" r:id="rId4"/>
+    <p:sldId id="257" r:id="rId5"/>
   </p:sldIdLst>
   <p:sldSz cx="12192000" cy="6858000"/>
   <p:notesSz cx="6858000" cy="9144000"/>
@@ -105,6 +107,11 @@
       </a:defRPr>
     </a:lvl9pPr>
   </p:defaultTextStyle>
+  <p:extLst>
+    <p:ext uri="{EFAFB233-063F-42B5-8137-9DF3F51BA10A}">
+      <p15:sldGuideLst xmlns:p15="http://schemas.microsoft.com/office/powerpoint/2012/main"/>
+    </p:ext>
+  </p:extLst>
 </p:presentation>
 </file>
 
@@ -257,7 +264,7 @@
           <a:p>
             <a:fld id="{A7B1184C-AAA9-42C7-8A87-B09872F638C8}" type="datetimeFigureOut">
               <a:rPr lang="en-GB" smtClean="0"/>
-              <a:t>30/05/2020</a:t>
+              <a:t>08/06/2020</a:t>
             </a:fld>
             <a:endParaRPr lang="en-GB"/>
           </a:p>
@@ -457,7 +464,7 @@
           <a:p>
             <a:fld id="{A7B1184C-AAA9-42C7-8A87-B09872F638C8}" type="datetimeFigureOut">
               <a:rPr lang="en-GB" smtClean="0"/>
-              <a:t>30/05/2020</a:t>
+              <a:t>08/06/2020</a:t>
             </a:fld>
             <a:endParaRPr lang="en-GB"/>
           </a:p>
@@ -667,7 +674,7 @@
           <a:p>
             <a:fld id="{A7B1184C-AAA9-42C7-8A87-B09872F638C8}" type="datetimeFigureOut">
               <a:rPr lang="en-GB" smtClean="0"/>
-              <a:t>30/05/2020</a:t>
+              <a:t>08/06/2020</a:t>
             </a:fld>
             <a:endParaRPr lang="en-GB"/>
           </a:p>
@@ -867,7 +874,7 @@
           <a:p>
             <a:fld id="{A7B1184C-AAA9-42C7-8A87-B09872F638C8}" type="datetimeFigureOut">
               <a:rPr lang="en-GB" smtClean="0"/>
-              <a:t>30/05/2020</a:t>
+              <a:t>08/06/2020</a:t>
             </a:fld>
             <a:endParaRPr lang="en-GB"/>
           </a:p>
@@ -1143,7 +1150,7 @@
           <a:p>
             <a:fld id="{A7B1184C-AAA9-42C7-8A87-B09872F638C8}" type="datetimeFigureOut">
               <a:rPr lang="en-GB" smtClean="0"/>
-              <a:t>30/05/2020</a:t>
+              <a:t>08/06/2020</a:t>
             </a:fld>
             <a:endParaRPr lang="en-GB"/>
           </a:p>
@@ -1411,7 +1418,7 @@
           <a:p>
             <a:fld id="{A7B1184C-AAA9-42C7-8A87-B09872F638C8}" type="datetimeFigureOut">
               <a:rPr lang="en-GB" smtClean="0"/>
-              <a:t>30/05/2020</a:t>
+              <a:t>08/06/2020</a:t>
             </a:fld>
             <a:endParaRPr lang="en-GB"/>
           </a:p>
@@ -1826,7 +1833,7 @@
           <a:p>
             <a:fld id="{A7B1184C-AAA9-42C7-8A87-B09872F638C8}" type="datetimeFigureOut">
               <a:rPr lang="en-GB" smtClean="0"/>
-              <a:t>30/05/2020</a:t>
+              <a:t>08/06/2020</a:t>
             </a:fld>
             <a:endParaRPr lang="en-GB"/>
           </a:p>
@@ -1968,7 +1975,7 @@
           <a:p>
             <a:fld id="{A7B1184C-AAA9-42C7-8A87-B09872F638C8}" type="datetimeFigureOut">
               <a:rPr lang="en-GB" smtClean="0"/>
-              <a:t>30/05/2020</a:t>
+              <a:t>08/06/2020</a:t>
             </a:fld>
             <a:endParaRPr lang="en-GB"/>
           </a:p>
@@ -2081,7 +2088,7 @@
           <a:p>
             <a:fld id="{A7B1184C-AAA9-42C7-8A87-B09872F638C8}" type="datetimeFigureOut">
               <a:rPr lang="en-GB" smtClean="0"/>
-              <a:t>30/05/2020</a:t>
+              <a:t>08/06/2020</a:t>
             </a:fld>
             <a:endParaRPr lang="en-GB"/>
           </a:p>
@@ -2394,7 +2401,7 @@
           <a:p>
             <a:fld id="{A7B1184C-AAA9-42C7-8A87-B09872F638C8}" type="datetimeFigureOut">
               <a:rPr lang="en-GB" smtClean="0"/>
-              <a:t>30/05/2020</a:t>
+              <a:t>08/06/2020</a:t>
             </a:fld>
             <a:endParaRPr lang="en-GB"/>
           </a:p>
@@ -2683,7 +2690,7 @@
           <a:p>
             <a:fld id="{A7B1184C-AAA9-42C7-8A87-B09872F638C8}" type="datetimeFigureOut">
               <a:rPr lang="en-GB" smtClean="0"/>
-              <a:t>30/05/2020</a:t>
+              <a:t>08/06/2020</a:t>
             </a:fld>
             <a:endParaRPr lang="en-GB"/>
           </a:p>
@@ -2926,7 +2933,7 @@
           <a:p>
             <a:fld id="{A7B1184C-AAA9-42C7-8A87-B09872F638C8}" type="datetimeFigureOut">
               <a:rPr lang="en-GB" smtClean="0"/>
-              <a:t>30/05/2020</a:t>
+              <a:t>08/06/2020</a:t>
             </a:fld>
             <a:endParaRPr lang="en-GB"/>
           </a:p>
@@ -4138,6 +4145,2619 @@
           <p:cNvPr id="2" name="Titel 1">
             <a:extLst>
               <a:ext uri="{FF2B5EF4-FFF2-40B4-BE49-F238E27FC236}">
+                <a16:creationId xmlns:a16="http://schemas.microsoft.com/office/drawing/2014/main" id="{17A52F7B-5D13-49B8-93F4-E378CB5B6530}"/>
+              </a:ext>
+            </a:extLst>
+          </p:cNvPr>
+          <p:cNvSpPr>
+            <a:spLocks noGrp="1"/>
+          </p:cNvSpPr>
+          <p:nvPr>
+            <p:ph type="title"/>
+          </p:nvPr>
+        </p:nvSpPr>
+        <p:spPr/>
+        <p:txBody>
+          <a:bodyPr/>
+          <a:lstStyle/>
+          <a:p>
+            <a:r>
+              <a:rPr lang="en-GB" dirty="0"/>
+              <a:t>PDDL - Ventilator</a:t>
+            </a:r>
+          </a:p>
+        </p:txBody>
+      </p:sp>
+      <p:sp>
+        <p:nvSpPr>
+          <p:cNvPr id="4" name="Rechteck 3">
+            <a:extLst>
+              <a:ext uri="{FF2B5EF4-FFF2-40B4-BE49-F238E27FC236}">
+                <a16:creationId xmlns:a16="http://schemas.microsoft.com/office/drawing/2014/main" id="{FB9F64E3-8B48-4276-A97A-F7A736BB2775}"/>
+              </a:ext>
+            </a:extLst>
+          </p:cNvPr>
+          <p:cNvSpPr/>
+          <p:nvPr/>
+        </p:nvSpPr>
+        <p:spPr>
+          <a:xfrm>
+            <a:off x="394282" y="1388684"/>
+            <a:ext cx="2508309" cy="1325563"/>
+          </a:xfrm>
+          <a:prstGeom prst="rect">
+            <a:avLst/>
+          </a:prstGeom>
+        </p:spPr>
+        <p:style>
+          <a:lnRef idx="2">
+            <a:schemeClr val="accent1">
+              <a:shade val="50000"/>
+            </a:schemeClr>
+          </a:lnRef>
+          <a:fillRef idx="1">
+            <a:schemeClr val="accent1"/>
+          </a:fillRef>
+          <a:effectRef idx="0">
+            <a:schemeClr val="accent1"/>
+          </a:effectRef>
+          <a:fontRef idx="minor">
+            <a:schemeClr val="lt1"/>
+          </a:fontRef>
+        </p:style>
+        <p:txBody>
+          <a:bodyPr rtlCol="0" anchor="ctr"/>
+          <a:lstStyle/>
+          <a:p>
+            <a:pPr algn="ctr"/>
+            <a:r>
+              <a:rPr lang="en-GB" dirty="0"/>
+              <a:t>Temp</a:t>
+            </a:r>
+          </a:p>
+        </p:txBody>
+      </p:sp>
+      <p:sp>
+        <p:nvSpPr>
+          <p:cNvPr id="5" name="Rechteck 4">
+            <a:extLst>
+              <a:ext uri="{FF2B5EF4-FFF2-40B4-BE49-F238E27FC236}">
+                <a16:creationId xmlns:a16="http://schemas.microsoft.com/office/drawing/2014/main" id="{46EE643D-51EF-4ECC-ABF2-B72C4137E5B6}"/>
+              </a:ext>
+            </a:extLst>
+          </p:cNvPr>
+          <p:cNvSpPr/>
+          <p:nvPr/>
+        </p:nvSpPr>
+        <p:spPr>
+          <a:xfrm>
+            <a:off x="394282" y="3019047"/>
+            <a:ext cx="2508309" cy="1325563"/>
+          </a:xfrm>
+          <a:prstGeom prst="rect">
+            <a:avLst/>
+          </a:prstGeom>
+        </p:spPr>
+        <p:style>
+          <a:lnRef idx="2">
+            <a:schemeClr val="accent1">
+              <a:shade val="50000"/>
+            </a:schemeClr>
+          </a:lnRef>
+          <a:fillRef idx="1">
+            <a:schemeClr val="accent1"/>
+          </a:fillRef>
+          <a:effectRef idx="0">
+            <a:schemeClr val="accent1"/>
+          </a:effectRef>
+          <a:fontRef idx="minor">
+            <a:schemeClr val="lt1"/>
+          </a:fontRef>
+        </p:style>
+        <p:txBody>
+          <a:bodyPr rtlCol="0" anchor="ctr"/>
+          <a:lstStyle/>
+          <a:p>
+            <a:pPr algn="ctr"/>
+            <a:r>
+              <a:rPr lang="en-GB" dirty="0"/>
+              <a:t>Humid</a:t>
+            </a:r>
+          </a:p>
+        </p:txBody>
+      </p:sp>
+      <p:sp>
+        <p:nvSpPr>
+          <p:cNvPr id="6" name="Rechteck 5">
+            <a:extLst>
+              <a:ext uri="{FF2B5EF4-FFF2-40B4-BE49-F238E27FC236}">
+                <a16:creationId xmlns:a16="http://schemas.microsoft.com/office/drawing/2014/main" id="{F452893E-9D0E-492F-B27F-8D7463B34A8C}"/>
+              </a:ext>
+            </a:extLst>
+          </p:cNvPr>
+          <p:cNvSpPr/>
+          <p:nvPr/>
+        </p:nvSpPr>
+        <p:spPr>
+          <a:xfrm>
+            <a:off x="9137009" y="3164345"/>
+            <a:ext cx="2508309" cy="1325563"/>
+          </a:xfrm>
+          <a:prstGeom prst="rect">
+            <a:avLst/>
+          </a:prstGeom>
+        </p:spPr>
+        <p:style>
+          <a:lnRef idx="2">
+            <a:schemeClr val="accent2">
+              <a:shade val="50000"/>
+            </a:schemeClr>
+          </a:lnRef>
+          <a:fillRef idx="1">
+            <a:schemeClr val="accent2"/>
+          </a:fillRef>
+          <a:effectRef idx="0">
+            <a:schemeClr val="accent2"/>
+          </a:effectRef>
+          <a:fontRef idx="minor">
+            <a:schemeClr val="lt1"/>
+          </a:fontRef>
+        </p:style>
+        <p:txBody>
+          <a:bodyPr rtlCol="0" anchor="ctr"/>
+          <a:lstStyle/>
+          <a:p>
+            <a:pPr algn="ctr"/>
+            <a:r>
+              <a:rPr lang="en-GB" dirty="0"/>
+              <a:t>Ventilator</a:t>
+            </a:r>
+          </a:p>
+        </p:txBody>
+      </p:sp>
+      <p:sp>
+        <p:nvSpPr>
+          <p:cNvPr id="8" name="Ellipse 7">
+            <a:extLst>
+              <a:ext uri="{FF2B5EF4-FFF2-40B4-BE49-F238E27FC236}">
+                <a16:creationId xmlns:a16="http://schemas.microsoft.com/office/drawing/2014/main" id="{336515B2-934C-4F4A-85EE-FF3396928D32}"/>
+              </a:ext>
+            </a:extLst>
+          </p:cNvPr>
+          <p:cNvSpPr/>
+          <p:nvPr/>
+        </p:nvSpPr>
+        <p:spPr>
+          <a:xfrm>
+            <a:off x="3671582" y="2486917"/>
+            <a:ext cx="1680594" cy="812691"/>
+          </a:xfrm>
+          <a:prstGeom prst="ellipse">
+            <a:avLst/>
+          </a:prstGeom>
+        </p:spPr>
+        <p:style>
+          <a:lnRef idx="2">
+            <a:schemeClr val="accent1">
+              <a:shade val="50000"/>
+            </a:schemeClr>
+          </a:lnRef>
+          <a:fillRef idx="1">
+            <a:schemeClr val="accent1"/>
+          </a:fillRef>
+          <a:effectRef idx="0">
+            <a:schemeClr val="accent1"/>
+          </a:effectRef>
+          <a:fontRef idx="minor">
+            <a:schemeClr val="lt1"/>
+          </a:fontRef>
+        </p:style>
+        <p:txBody>
+          <a:bodyPr rtlCol="0" anchor="ctr"/>
+          <a:lstStyle/>
+          <a:p>
+            <a:pPr algn="ctr"/>
+            <a:r>
+              <a:rPr lang="en-GB" dirty="0" err="1"/>
+              <a:t>Heatindex</a:t>
+            </a:r>
+            <a:endParaRPr lang="en-GB" dirty="0"/>
+          </a:p>
+        </p:txBody>
+      </p:sp>
+      <p:cxnSp>
+        <p:nvCxnSpPr>
+          <p:cNvPr id="10" name="Verbinder: gewinkelt 9">
+            <a:extLst>
+              <a:ext uri="{FF2B5EF4-FFF2-40B4-BE49-F238E27FC236}">
+                <a16:creationId xmlns:a16="http://schemas.microsoft.com/office/drawing/2014/main" id="{8A208243-E9E7-4DC9-9452-34747FEFB169}"/>
+              </a:ext>
+            </a:extLst>
+          </p:cNvPr>
+          <p:cNvCxnSpPr>
+            <a:stCxn id="4" idx="3"/>
+            <a:endCxn id="8" idx="2"/>
+          </p:cNvCxnSpPr>
+          <p:nvPr/>
+        </p:nvCxnSpPr>
+        <p:spPr>
+          <a:xfrm>
+            <a:off x="2902591" y="2051466"/>
+            <a:ext cx="768991" cy="841797"/>
+          </a:xfrm>
+          <a:prstGeom prst="bentConnector3">
+            <a:avLst/>
+          </a:prstGeom>
+          <a:ln>
+            <a:tailEnd type="triangle"/>
+          </a:ln>
+        </p:spPr>
+        <p:style>
+          <a:lnRef idx="1">
+            <a:schemeClr val="accent1"/>
+          </a:lnRef>
+          <a:fillRef idx="0">
+            <a:schemeClr val="accent1"/>
+          </a:fillRef>
+          <a:effectRef idx="0">
+            <a:schemeClr val="accent1"/>
+          </a:effectRef>
+          <a:fontRef idx="minor">
+            <a:schemeClr val="tx1"/>
+          </a:fontRef>
+        </p:style>
+      </p:cxnSp>
+      <p:sp>
+        <p:nvSpPr>
+          <p:cNvPr id="21" name="Rechteck 20">
+            <a:extLst>
+              <a:ext uri="{FF2B5EF4-FFF2-40B4-BE49-F238E27FC236}">
+                <a16:creationId xmlns:a16="http://schemas.microsoft.com/office/drawing/2014/main" id="{32177053-FB80-43C9-8F8C-8C52BE41CB0E}"/>
+              </a:ext>
+            </a:extLst>
+          </p:cNvPr>
+          <p:cNvSpPr/>
+          <p:nvPr/>
+        </p:nvSpPr>
+        <p:spPr>
+          <a:xfrm>
+            <a:off x="6120467" y="2667281"/>
+            <a:ext cx="567657" cy="451962"/>
+          </a:xfrm>
+          <a:prstGeom prst="rect">
+            <a:avLst/>
+          </a:prstGeom>
+        </p:spPr>
+        <p:style>
+          <a:lnRef idx="2">
+            <a:schemeClr val="accent1">
+              <a:shade val="50000"/>
+            </a:schemeClr>
+          </a:lnRef>
+          <a:fillRef idx="1">
+            <a:schemeClr val="accent1"/>
+          </a:fillRef>
+          <a:effectRef idx="0">
+            <a:schemeClr val="accent1"/>
+          </a:effectRef>
+          <a:fontRef idx="minor">
+            <a:schemeClr val="lt1"/>
+          </a:fontRef>
+        </p:style>
+        <p:txBody>
+          <a:bodyPr rtlCol="0" anchor="ctr"/>
+          <a:lstStyle/>
+          <a:p>
+            <a:pPr algn="ctr"/>
+            <a:r>
+              <a:rPr lang="en-GB" dirty="0"/>
+              <a:t>&gt;27</a:t>
+            </a:r>
+          </a:p>
+        </p:txBody>
+      </p:sp>
+      <p:cxnSp>
+        <p:nvCxnSpPr>
+          <p:cNvPr id="12" name="Verbinder: gewinkelt 11">
+            <a:extLst>
+              <a:ext uri="{FF2B5EF4-FFF2-40B4-BE49-F238E27FC236}">
+                <a16:creationId xmlns:a16="http://schemas.microsoft.com/office/drawing/2014/main" id="{E8EC29A9-4CB4-415A-9434-B58844306716}"/>
+              </a:ext>
+            </a:extLst>
+          </p:cNvPr>
+          <p:cNvCxnSpPr>
+            <a:stCxn id="5" idx="3"/>
+            <a:endCxn id="8" idx="2"/>
+          </p:cNvCxnSpPr>
+          <p:nvPr/>
+        </p:nvCxnSpPr>
+        <p:spPr>
+          <a:xfrm flipV="1">
+            <a:off x="2902591" y="2893263"/>
+            <a:ext cx="768991" cy="788566"/>
+          </a:xfrm>
+          <a:prstGeom prst="bentConnector3">
+            <a:avLst/>
+          </a:prstGeom>
+          <a:ln>
+            <a:tailEnd type="triangle"/>
+          </a:ln>
+        </p:spPr>
+        <p:style>
+          <a:lnRef idx="1">
+            <a:schemeClr val="accent1"/>
+          </a:lnRef>
+          <a:fillRef idx="0">
+            <a:schemeClr val="accent1"/>
+          </a:fillRef>
+          <a:effectRef idx="0">
+            <a:schemeClr val="accent1"/>
+          </a:effectRef>
+          <a:fontRef idx="minor">
+            <a:schemeClr val="tx1"/>
+          </a:fontRef>
+        </p:style>
+      </p:cxnSp>
+      <p:sp>
+        <p:nvSpPr>
+          <p:cNvPr id="18" name="Rechteck 17">
+            <a:extLst>
+              <a:ext uri="{FF2B5EF4-FFF2-40B4-BE49-F238E27FC236}">
+                <a16:creationId xmlns:a16="http://schemas.microsoft.com/office/drawing/2014/main" id="{84E2B2C1-377A-4E53-8987-F7D2DDB3E3FD}"/>
+              </a:ext>
+            </a:extLst>
+          </p:cNvPr>
+          <p:cNvSpPr/>
+          <p:nvPr/>
+        </p:nvSpPr>
+        <p:spPr>
+          <a:xfrm>
+            <a:off x="394282" y="4489908"/>
+            <a:ext cx="2508309" cy="1325563"/>
+          </a:xfrm>
+          <a:prstGeom prst="rect">
+            <a:avLst/>
+          </a:prstGeom>
+        </p:spPr>
+        <p:style>
+          <a:lnRef idx="2">
+            <a:schemeClr val="accent1">
+              <a:shade val="50000"/>
+            </a:schemeClr>
+          </a:lnRef>
+          <a:fillRef idx="1">
+            <a:schemeClr val="accent1"/>
+          </a:fillRef>
+          <a:effectRef idx="0">
+            <a:schemeClr val="accent1"/>
+          </a:effectRef>
+          <a:fontRef idx="minor">
+            <a:schemeClr val="lt1"/>
+          </a:fontRef>
+        </p:style>
+        <p:txBody>
+          <a:bodyPr rtlCol="0" anchor="ctr"/>
+          <a:lstStyle/>
+          <a:p>
+            <a:pPr algn="ctr"/>
+            <a:r>
+              <a:rPr lang="en-GB" dirty="0"/>
+              <a:t>Person counter</a:t>
+            </a:r>
+          </a:p>
+        </p:txBody>
+      </p:sp>
+      <p:sp>
+        <p:nvSpPr>
+          <p:cNvPr id="24" name="Rechteck 23">
+            <a:extLst>
+              <a:ext uri="{FF2B5EF4-FFF2-40B4-BE49-F238E27FC236}">
+                <a16:creationId xmlns:a16="http://schemas.microsoft.com/office/drawing/2014/main" id="{D1F29213-7191-41A9-B9EF-D76A5B8F4609}"/>
+              </a:ext>
+            </a:extLst>
+          </p:cNvPr>
+          <p:cNvSpPr/>
+          <p:nvPr/>
+        </p:nvSpPr>
+        <p:spPr>
+          <a:xfrm>
+            <a:off x="6124663" y="4926708"/>
+            <a:ext cx="567657" cy="451962"/>
+          </a:xfrm>
+          <a:prstGeom prst="rect">
+            <a:avLst/>
+          </a:prstGeom>
+        </p:spPr>
+        <p:style>
+          <a:lnRef idx="2">
+            <a:schemeClr val="accent1">
+              <a:shade val="50000"/>
+            </a:schemeClr>
+          </a:lnRef>
+          <a:fillRef idx="1">
+            <a:schemeClr val="accent1"/>
+          </a:fillRef>
+          <a:effectRef idx="0">
+            <a:schemeClr val="accent1"/>
+          </a:effectRef>
+          <a:fontRef idx="minor">
+            <a:schemeClr val="lt1"/>
+          </a:fontRef>
+        </p:style>
+        <p:txBody>
+          <a:bodyPr rtlCol="0" anchor="ctr"/>
+          <a:lstStyle/>
+          <a:p>
+            <a:pPr algn="ctr"/>
+            <a:r>
+              <a:rPr lang="en-GB" dirty="0"/>
+              <a:t>&gt;0</a:t>
+            </a:r>
+          </a:p>
+        </p:txBody>
+      </p:sp>
+      <p:cxnSp>
+        <p:nvCxnSpPr>
+          <p:cNvPr id="27" name="Gerade Verbindung mit Pfeil 26">
+            <a:extLst>
+              <a:ext uri="{FF2B5EF4-FFF2-40B4-BE49-F238E27FC236}">
+                <a16:creationId xmlns:a16="http://schemas.microsoft.com/office/drawing/2014/main" id="{905DF75E-02AF-42AA-B88E-4F9E27679D49}"/>
+              </a:ext>
+            </a:extLst>
+          </p:cNvPr>
+          <p:cNvCxnSpPr>
+            <a:stCxn id="18" idx="3"/>
+            <a:endCxn id="24" idx="1"/>
+          </p:cNvCxnSpPr>
+          <p:nvPr/>
+        </p:nvCxnSpPr>
+        <p:spPr>
+          <a:xfrm flipV="1">
+            <a:off x="2902591" y="5152689"/>
+            <a:ext cx="3222072" cy="1"/>
+          </a:xfrm>
+          <a:prstGeom prst="straightConnector1">
+            <a:avLst/>
+          </a:prstGeom>
+          <a:ln>
+            <a:tailEnd type="triangle"/>
+          </a:ln>
+        </p:spPr>
+        <p:style>
+          <a:lnRef idx="1">
+            <a:schemeClr val="accent1"/>
+          </a:lnRef>
+          <a:fillRef idx="0">
+            <a:schemeClr val="accent1"/>
+          </a:fillRef>
+          <a:effectRef idx="0">
+            <a:schemeClr val="accent1"/>
+          </a:effectRef>
+          <a:fontRef idx="minor">
+            <a:schemeClr val="tx1"/>
+          </a:fontRef>
+        </p:style>
+      </p:cxnSp>
+      <p:sp>
+        <p:nvSpPr>
+          <p:cNvPr id="28" name="Rechteck: abgerundete Ecken 27">
+            <a:extLst>
+              <a:ext uri="{FF2B5EF4-FFF2-40B4-BE49-F238E27FC236}">
+                <a16:creationId xmlns:a16="http://schemas.microsoft.com/office/drawing/2014/main" id="{BEE1E269-0C2F-410B-87DA-7EC31EDD6F72}"/>
+              </a:ext>
+            </a:extLst>
+          </p:cNvPr>
+          <p:cNvSpPr/>
+          <p:nvPr/>
+        </p:nvSpPr>
+        <p:spPr>
+          <a:xfrm>
+            <a:off x="7071919" y="3570213"/>
+            <a:ext cx="768991" cy="513826"/>
+          </a:xfrm>
+          <a:prstGeom prst="roundRect">
+            <a:avLst/>
+          </a:prstGeom>
+        </p:spPr>
+        <p:style>
+          <a:lnRef idx="2">
+            <a:schemeClr val="accent1">
+              <a:shade val="50000"/>
+            </a:schemeClr>
+          </a:lnRef>
+          <a:fillRef idx="1">
+            <a:schemeClr val="accent1"/>
+          </a:fillRef>
+          <a:effectRef idx="0">
+            <a:schemeClr val="accent1"/>
+          </a:effectRef>
+          <a:fontRef idx="minor">
+            <a:schemeClr val="lt1"/>
+          </a:fontRef>
+        </p:style>
+        <p:txBody>
+          <a:bodyPr rtlCol="0" anchor="ctr"/>
+          <a:lstStyle/>
+          <a:p>
+            <a:pPr algn="ctr"/>
+            <a:r>
+              <a:rPr lang="en-GB" dirty="0"/>
+              <a:t>&amp;</a:t>
+            </a:r>
+          </a:p>
+        </p:txBody>
+      </p:sp>
+      <p:cxnSp>
+        <p:nvCxnSpPr>
+          <p:cNvPr id="30" name="Gerade Verbindung mit Pfeil 29">
+            <a:extLst>
+              <a:ext uri="{FF2B5EF4-FFF2-40B4-BE49-F238E27FC236}">
+                <a16:creationId xmlns:a16="http://schemas.microsoft.com/office/drawing/2014/main" id="{E3711CC9-F91A-42FC-8820-A7FD1B1C1132}"/>
+              </a:ext>
+            </a:extLst>
+          </p:cNvPr>
+          <p:cNvCxnSpPr>
+            <a:stCxn id="8" idx="6"/>
+            <a:endCxn id="21" idx="1"/>
+          </p:cNvCxnSpPr>
+          <p:nvPr/>
+        </p:nvCxnSpPr>
+        <p:spPr>
+          <a:xfrm flipV="1">
+            <a:off x="5352176" y="2893262"/>
+            <a:ext cx="768291" cy="1"/>
+          </a:xfrm>
+          <a:prstGeom prst="straightConnector1">
+            <a:avLst/>
+          </a:prstGeom>
+          <a:ln>
+            <a:tailEnd type="triangle"/>
+          </a:ln>
+        </p:spPr>
+        <p:style>
+          <a:lnRef idx="1">
+            <a:schemeClr val="accent1"/>
+          </a:lnRef>
+          <a:fillRef idx="0">
+            <a:schemeClr val="accent1"/>
+          </a:fillRef>
+          <a:effectRef idx="0">
+            <a:schemeClr val="accent1"/>
+          </a:effectRef>
+          <a:fontRef idx="minor">
+            <a:schemeClr val="tx1"/>
+          </a:fontRef>
+        </p:style>
+      </p:cxnSp>
+      <p:cxnSp>
+        <p:nvCxnSpPr>
+          <p:cNvPr id="33" name="Verbinder: gewinkelt 32">
+            <a:extLst>
+              <a:ext uri="{FF2B5EF4-FFF2-40B4-BE49-F238E27FC236}">
+                <a16:creationId xmlns:a16="http://schemas.microsoft.com/office/drawing/2014/main" id="{4F6C7E51-AC98-497A-92CA-6E9468053F98}"/>
+              </a:ext>
+            </a:extLst>
+          </p:cNvPr>
+          <p:cNvCxnSpPr>
+            <a:stCxn id="21" idx="3"/>
+            <a:endCxn id="28" idx="1"/>
+          </p:cNvCxnSpPr>
+          <p:nvPr/>
+        </p:nvCxnSpPr>
+        <p:spPr>
+          <a:xfrm>
+            <a:off x="6688124" y="2893262"/>
+            <a:ext cx="383795" cy="933864"/>
+          </a:xfrm>
+          <a:prstGeom prst="bentConnector3">
+            <a:avLst/>
+          </a:prstGeom>
+          <a:ln>
+            <a:tailEnd type="triangle"/>
+          </a:ln>
+        </p:spPr>
+        <p:style>
+          <a:lnRef idx="1">
+            <a:schemeClr val="accent1"/>
+          </a:lnRef>
+          <a:fillRef idx="0">
+            <a:schemeClr val="accent1"/>
+          </a:fillRef>
+          <a:effectRef idx="0">
+            <a:schemeClr val="accent1"/>
+          </a:effectRef>
+          <a:fontRef idx="minor">
+            <a:schemeClr val="tx1"/>
+          </a:fontRef>
+        </p:style>
+      </p:cxnSp>
+      <p:cxnSp>
+        <p:nvCxnSpPr>
+          <p:cNvPr id="35" name="Verbinder: gewinkelt 34">
+            <a:extLst>
+              <a:ext uri="{FF2B5EF4-FFF2-40B4-BE49-F238E27FC236}">
+                <a16:creationId xmlns:a16="http://schemas.microsoft.com/office/drawing/2014/main" id="{63DA314A-EC3A-405C-97A4-79BF301A78E5}"/>
+              </a:ext>
+            </a:extLst>
+          </p:cNvPr>
+          <p:cNvCxnSpPr>
+            <a:stCxn id="24" idx="3"/>
+            <a:endCxn id="28" idx="1"/>
+          </p:cNvCxnSpPr>
+          <p:nvPr/>
+        </p:nvCxnSpPr>
+        <p:spPr>
+          <a:xfrm flipV="1">
+            <a:off x="6692320" y="3827126"/>
+            <a:ext cx="379599" cy="1325563"/>
+          </a:xfrm>
+          <a:prstGeom prst="bentConnector3">
+            <a:avLst/>
+          </a:prstGeom>
+          <a:ln>
+            <a:tailEnd type="triangle"/>
+          </a:ln>
+        </p:spPr>
+        <p:style>
+          <a:lnRef idx="1">
+            <a:schemeClr val="accent1"/>
+          </a:lnRef>
+          <a:fillRef idx="0">
+            <a:schemeClr val="accent1"/>
+          </a:fillRef>
+          <a:effectRef idx="0">
+            <a:schemeClr val="accent1"/>
+          </a:effectRef>
+          <a:fontRef idx="minor">
+            <a:schemeClr val="tx1"/>
+          </a:fontRef>
+        </p:style>
+      </p:cxnSp>
+      <p:cxnSp>
+        <p:nvCxnSpPr>
+          <p:cNvPr id="37" name="Gerade Verbindung mit Pfeil 36">
+            <a:extLst>
+              <a:ext uri="{FF2B5EF4-FFF2-40B4-BE49-F238E27FC236}">
+                <a16:creationId xmlns:a16="http://schemas.microsoft.com/office/drawing/2014/main" id="{41155562-6A1A-4A1D-960C-D5952FAD13AB}"/>
+              </a:ext>
+            </a:extLst>
+          </p:cNvPr>
+          <p:cNvCxnSpPr>
+            <a:stCxn id="28" idx="3"/>
+            <a:endCxn id="6" idx="1"/>
+          </p:cNvCxnSpPr>
+          <p:nvPr/>
+        </p:nvCxnSpPr>
+        <p:spPr>
+          <a:xfrm>
+            <a:off x="7840910" y="3827126"/>
+            <a:ext cx="1296099" cy="1"/>
+          </a:xfrm>
+          <a:prstGeom prst="straightConnector1">
+            <a:avLst/>
+          </a:prstGeom>
+          <a:ln>
+            <a:tailEnd type="triangle"/>
+          </a:ln>
+        </p:spPr>
+        <p:style>
+          <a:lnRef idx="1">
+            <a:schemeClr val="accent1"/>
+          </a:lnRef>
+          <a:fillRef idx="0">
+            <a:schemeClr val="accent1"/>
+          </a:fillRef>
+          <a:effectRef idx="0">
+            <a:schemeClr val="accent1"/>
+          </a:effectRef>
+          <a:fontRef idx="minor">
+            <a:schemeClr val="tx1"/>
+          </a:fontRef>
+        </p:style>
+      </p:cxnSp>
+    </p:spTree>
+    <p:extLst>
+      <p:ext uri="{BB962C8B-B14F-4D97-AF65-F5344CB8AC3E}">
+        <p14:creationId xmlns:p14="http://schemas.microsoft.com/office/powerpoint/2010/main" val="3076558230"/>
+      </p:ext>
+    </p:extLst>
+  </p:cSld>
+  <p:clrMapOvr>
+    <a:masterClrMapping/>
+  </p:clrMapOvr>
+</p:sld>
+</file>
+
+<file path=ppt/slides/slide3.xml><?xml version="1.0" encoding="utf-8"?>
+<p:sld xmlns:a="http://schemas.openxmlformats.org/drawingml/2006/main" xmlns:r="http://schemas.openxmlformats.org/officeDocument/2006/relationships" xmlns:p="http://schemas.openxmlformats.org/presentationml/2006/main">
+  <p:cSld>
+    <p:spTree>
+      <p:nvGrpSpPr>
+        <p:cNvPr id="1" name=""/>
+        <p:cNvGrpSpPr/>
+        <p:nvPr/>
+      </p:nvGrpSpPr>
+      <p:grpSpPr>
+        <a:xfrm>
+          <a:off x="0" y="0"/>
+          <a:ext cx="0" cy="0"/>
+          <a:chOff x="0" y="0"/>
+          <a:chExt cx="0" cy="0"/>
+        </a:xfrm>
+      </p:grpSpPr>
+      <p:sp>
+        <p:nvSpPr>
+          <p:cNvPr id="2" name="Titel 1">
+            <a:extLst>
+              <a:ext uri="{FF2B5EF4-FFF2-40B4-BE49-F238E27FC236}">
+                <a16:creationId xmlns:a16="http://schemas.microsoft.com/office/drawing/2014/main" id="{17A52F7B-5D13-49B8-93F4-E378CB5B6530}"/>
+              </a:ext>
+            </a:extLst>
+          </p:cNvPr>
+          <p:cNvSpPr>
+            <a:spLocks noGrp="1"/>
+          </p:cNvSpPr>
+          <p:nvPr>
+            <p:ph type="title"/>
+          </p:nvPr>
+        </p:nvSpPr>
+        <p:spPr>
+          <a:xfrm>
+            <a:off x="838200" y="230901"/>
+            <a:ext cx="10515600" cy="1325563"/>
+          </a:xfrm>
+        </p:spPr>
+        <p:txBody>
+          <a:bodyPr/>
+          <a:lstStyle/>
+          <a:p>
+            <a:r>
+              <a:rPr lang="en-GB" dirty="0"/>
+              <a:t>PDDL - </a:t>
+            </a:r>
+            <a:r>
+              <a:rPr lang="en-GB" dirty="0" err="1"/>
+              <a:t>Schranken</a:t>
+            </a:r>
+            <a:endParaRPr lang="en-GB" dirty="0"/>
+          </a:p>
+        </p:txBody>
+      </p:sp>
+      <p:sp>
+        <p:nvSpPr>
+          <p:cNvPr id="119" name="Textfeld 118">
+            <a:extLst>
+              <a:ext uri="{FF2B5EF4-FFF2-40B4-BE49-F238E27FC236}">
+                <a16:creationId xmlns:a16="http://schemas.microsoft.com/office/drawing/2014/main" id="{E511BFBB-44AD-4AC1-A841-BB3FCB2B9F1D}"/>
+              </a:ext>
+            </a:extLst>
+          </p:cNvPr>
+          <p:cNvSpPr txBox="1"/>
+          <p:nvPr/>
+        </p:nvSpPr>
+        <p:spPr>
+          <a:xfrm>
+            <a:off x="36013" y="2514988"/>
+            <a:ext cx="3403473" cy="1631216"/>
+          </a:xfrm>
+          <a:prstGeom prst="rect">
+            <a:avLst/>
+          </a:prstGeom>
+          <a:noFill/>
+        </p:spPr>
+        <p:txBody>
+          <a:bodyPr wrap="square" rtlCol="0">
+            <a:spAutoFit/>
+          </a:bodyPr>
+          <a:lstStyle/>
+          <a:p>
+            <a:r>
+              <a:rPr lang="en-GB" sz="10000" dirty="0"/>
+              <a:t>[			]</a:t>
+            </a:r>
+            <a:endParaRPr lang="en-GB" sz="2000" baseline="30000" dirty="0"/>
+          </a:p>
+        </p:txBody>
+      </p:sp>
+      <p:sp>
+        <p:nvSpPr>
+          <p:cNvPr id="6" name="Rechteck 5">
+            <a:extLst>
+              <a:ext uri="{FF2B5EF4-FFF2-40B4-BE49-F238E27FC236}">
+                <a16:creationId xmlns:a16="http://schemas.microsoft.com/office/drawing/2014/main" id="{F452893E-9D0E-492F-B27F-8D7463B34A8C}"/>
+              </a:ext>
+            </a:extLst>
+          </p:cNvPr>
+          <p:cNvSpPr/>
+          <p:nvPr/>
+        </p:nvSpPr>
+        <p:spPr>
+          <a:xfrm>
+            <a:off x="9099600" y="863039"/>
+            <a:ext cx="2508309" cy="1325563"/>
+          </a:xfrm>
+          <a:prstGeom prst="rect">
+            <a:avLst/>
+          </a:prstGeom>
+        </p:spPr>
+        <p:style>
+          <a:lnRef idx="2">
+            <a:schemeClr val="accent2">
+              <a:shade val="50000"/>
+            </a:schemeClr>
+          </a:lnRef>
+          <a:fillRef idx="1">
+            <a:schemeClr val="accent2"/>
+          </a:fillRef>
+          <a:effectRef idx="0">
+            <a:schemeClr val="accent2"/>
+          </a:effectRef>
+          <a:fontRef idx="minor">
+            <a:schemeClr val="lt1"/>
+          </a:fontRef>
+        </p:style>
+        <p:txBody>
+          <a:bodyPr rtlCol="0" anchor="ctr"/>
+          <a:lstStyle/>
+          <a:p>
+            <a:pPr algn="ctr"/>
+            <a:r>
+              <a:rPr lang="en-GB" dirty="0" err="1"/>
+              <a:t>Schranke</a:t>
+            </a:r>
+            <a:r>
+              <a:rPr lang="en-GB" dirty="0"/>
+              <a:t> </a:t>
+            </a:r>
+            <a:r>
+              <a:rPr lang="en-GB" dirty="0" err="1"/>
+              <a:t>aussen</a:t>
+            </a:r>
+            <a:endParaRPr lang="en-GB" dirty="0"/>
+          </a:p>
+        </p:txBody>
+      </p:sp>
+      <p:sp>
+        <p:nvSpPr>
+          <p:cNvPr id="18" name="Rechteck 17">
+            <a:extLst>
+              <a:ext uri="{FF2B5EF4-FFF2-40B4-BE49-F238E27FC236}">
+                <a16:creationId xmlns:a16="http://schemas.microsoft.com/office/drawing/2014/main" id="{84E2B2C1-377A-4E53-8987-F7D2DDB3E3FD}"/>
+              </a:ext>
+            </a:extLst>
+          </p:cNvPr>
+          <p:cNvSpPr/>
+          <p:nvPr/>
+        </p:nvSpPr>
+        <p:spPr>
+          <a:xfrm>
+            <a:off x="432390" y="3011231"/>
+            <a:ext cx="2508309" cy="812692"/>
+          </a:xfrm>
+          <a:prstGeom prst="rect">
+            <a:avLst/>
+          </a:prstGeom>
+        </p:spPr>
+        <p:style>
+          <a:lnRef idx="2">
+            <a:schemeClr val="accent1">
+              <a:shade val="50000"/>
+            </a:schemeClr>
+          </a:lnRef>
+          <a:fillRef idx="1">
+            <a:schemeClr val="accent1"/>
+          </a:fillRef>
+          <a:effectRef idx="0">
+            <a:schemeClr val="accent1"/>
+          </a:effectRef>
+          <a:fontRef idx="minor">
+            <a:schemeClr val="lt1"/>
+          </a:fontRef>
+        </p:style>
+        <p:txBody>
+          <a:bodyPr rtlCol="0" anchor="ctr"/>
+          <a:lstStyle/>
+          <a:p>
+            <a:pPr algn="ctr"/>
+            <a:r>
+              <a:rPr lang="en-GB" dirty="0"/>
+              <a:t>Person counter section n</a:t>
+            </a:r>
+          </a:p>
+        </p:txBody>
+      </p:sp>
+      <p:sp>
+        <p:nvSpPr>
+          <p:cNvPr id="23" name="Rechteck 22">
+            <a:extLst>
+              <a:ext uri="{FF2B5EF4-FFF2-40B4-BE49-F238E27FC236}">
+                <a16:creationId xmlns:a16="http://schemas.microsoft.com/office/drawing/2014/main" id="{9F83A6A5-7E80-4B93-B40A-AB8C653E0EA3}"/>
+              </a:ext>
+            </a:extLst>
+          </p:cNvPr>
+          <p:cNvSpPr/>
+          <p:nvPr/>
+        </p:nvSpPr>
+        <p:spPr>
+          <a:xfrm>
+            <a:off x="9099599" y="3019177"/>
+            <a:ext cx="2508309" cy="804746"/>
+          </a:xfrm>
+          <a:prstGeom prst="rect">
+            <a:avLst/>
+          </a:prstGeom>
+        </p:spPr>
+        <p:style>
+          <a:lnRef idx="2">
+            <a:schemeClr val="accent2">
+              <a:shade val="50000"/>
+            </a:schemeClr>
+          </a:lnRef>
+          <a:fillRef idx="1">
+            <a:schemeClr val="accent2"/>
+          </a:fillRef>
+          <a:effectRef idx="0">
+            <a:schemeClr val="accent2"/>
+          </a:effectRef>
+          <a:fontRef idx="minor">
+            <a:schemeClr val="lt1"/>
+          </a:fontRef>
+        </p:style>
+        <p:txBody>
+          <a:bodyPr rtlCol="0" anchor="ctr"/>
+          <a:lstStyle/>
+          <a:p>
+            <a:pPr algn="ctr"/>
+            <a:r>
+              <a:rPr lang="en-GB" dirty="0" err="1"/>
+              <a:t>Schranke</a:t>
+            </a:r>
+            <a:r>
+              <a:rPr lang="en-GB" dirty="0"/>
+              <a:t> </a:t>
+            </a:r>
+            <a:r>
+              <a:rPr lang="en-GB" dirty="0" err="1"/>
+              <a:t>Abschnitt</a:t>
+            </a:r>
+            <a:r>
+              <a:rPr lang="en-GB" dirty="0"/>
+              <a:t> n </a:t>
+            </a:r>
+          </a:p>
+        </p:txBody>
+      </p:sp>
+      <p:sp>
+        <p:nvSpPr>
+          <p:cNvPr id="25" name="Ellipse 24">
+            <a:extLst>
+              <a:ext uri="{FF2B5EF4-FFF2-40B4-BE49-F238E27FC236}">
+                <a16:creationId xmlns:a16="http://schemas.microsoft.com/office/drawing/2014/main" id="{AD17DD55-A84F-4982-BB8E-83557C9C70E5}"/>
+              </a:ext>
+            </a:extLst>
+          </p:cNvPr>
+          <p:cNvSpPr/>
+          <p:nvPr/>
+        </p:nvSpPr>
+        <p:spPr>
+          <a:xfrm>
+            <a:off x="348500" y="1710242"/>
+            <a:ext cx="1680594" cy="812691"/>
+          </a:xfrm>
+          <a:prstGeom prst="ellipse">
+            <a:avLst/>
+          </a:prstGeom>
+        </p:spPr>
+        <p:style>
+          <a:lnRef idx="2">
+            <a:schemeClr val="accent1">
+              <a:shade val="50000"/>
+            </a:schemeClr>
+          </a:lnRef>
+          <a:fillRef idx="1">
+            <a:schemeClr val="accent1"/>
+          </a:fillRef>
+          <a:effectRef idx="0">
+            <a:schemeClr val="accent1"/>
+          </a:effectRef>
+          <a:fontRef idx="minor">
+            <a:schemeClr val="lt1"/>
+          </a:fontRef>
+        </p:style>
+        <p:txBody>
+          <a:bodyPr rtlCol="0" anchor="ctr"/>
+          <a:lstStyle/>
+          <a:p>
+            <a:pPr algn="ctr"/>
+            <a:r>
+              <a:rPr lang="en-GB" dirty="0" err="1"/>
+              <a:t>Heatindex</a:t>
+            </a:r>
+            <a:endParaRPr lang="en-GB" dirty="0"/>
+          </a:p>
+        </p:txBody>
+      </p:sp>
+      <p:sp>
+        <p:nvSpPr>
+          <p:cNvPr id="26" name="Rechteck 25">
+            <a:extLst>
+              <a:ext uri="{FF2B5EF4-FFF2-40B4-BE49-F238E27FC236}">
+                <a16:creationId xmlns:a16="http://schemas.microsoft.com/office/drawing/2014/main" id="{94F95460-49AC-434B-81E3-37A4BA39CCB2}"/>
+              </a:ext>
+            </a:extLst>
+          </p:cNvPr>
+          <p:cNvSpPr/>
+          <p:nvPr/>
+        </p:nvSpPr>
+        <p:spPr>
+          <a:xfrm>
+            <a:off x="5401788" y="863039"/>
+            <a:ext cx="717602" cy="451962"/>
+          </a:xfrm>
+          <a:prstGeom prst="rect">
+            <a:avLst/>
+          </a:prstGeom>
+        </p:spPr>
+        <p:style>
+          <a:lnRef idx="2">
+            <a:schemeClr val="accent1">
+              <a:shade val="50000"/>
+            </a:schemeClr>
+          </a:lnRef>
+          <a:fillRef idx="1">
+            <a:schemeClr val="accent1"/>
+          </a:fillRef>
+          <a:effectRef idx="0">
+            <a:schemeClr val="accent1"/>
+          </a:effectRef>
+          <a:fontRef idx="minor">
+            <a:schemeClr val="lt1"/>
+          </a:fontRef>
+        </p:style>
+        <p:txBody>
+          <a:bodyPr rtlCol="0" anchor="ctr"/>
+          <a:lstStyle/>
+          <a:p>
+            <a:pPr algn="ctr"/>
+            <a:r>
+              <a:rPr lang="en-GB" dirty="0"/>
+              <a:t>&lt;=32</a:t>
+            </a:r>
+          </a:p>
+        </p:txBody>
+      </p:sp>
+      <p:sp>
+        <p:nvSpPr>
+          <p:cNvPr id="17" name="Rechteck 16">
+            <a:extLst>
+              <a:ext uri="{FF2B5EF4-FFF2-40B4-BE49-F238E27FC236}">
+                <a16:creationId xmlns:a16="http://schemas.microsoft.com/office/drawing/2014/main" id="{D331DF6C-C499-403C-BFB6-38BFB4A3D500}"/>
+              </a:ext>
+            </a:extLst>
+          </p:cNvPr>
+          <p:cNvSpPr/>
+          <p:nvPr/>
+        </p:nvSpPr>
+        <p:spPr>
+          <a:xfrm>
+            <a:off x="4313664" y="2236967"/>
+            <a:ext cx="717603" cy="451962"/>
+          </a:xfrm>
+          <a:prstGeom prst="rect">
+            <a:avLst/>
+          </a:prstGeom>
+        </p:spPr>
+        <p:style>
+          <a:lnRef idx="2">
+            <a:schemeClr val="accent1">
+              <a:shade val="50000"/>
+            </a:schemeClr>
+          </a:lnRef>
+          <a:fillRef idx="1">
+            <a:schemeClr val="accent1"/>
+          </a:fillRef>
+          <a:effectRef idx="0">
+            <a:schemeClr val="accent1"/>
+          </a:effectRef>
+          <a:fontRef idx="minor">
+            <a:schemeClr val="lt1"/>
+          </a:fontRef>
+        </p:style>
+        <p:txBody>
+          <a:bodyPr rtlCol="0" anchor="ctr"/>
+          <a:lstStyle/>
+          <a:p>
+            <a:pPr algn="ctr"/>
+            <a:r>
+              <a:rPr lang="en-GB" dirty="0"/>
+              <a:t>Sum</a:t>
+            </a:r>
+          </a:p>
+        </p:txBody>
+      </p:sp>
+      <p:cxnSp>
+        <p:nvCxnSpPr>
+          <p:cNvPr id="39" name="Verbinder: gewinkelt 38">
+            <a:extLst>
+              <a:ext uri="{FF2B5EF4-FFF2-40B4-BE49-F238E27FC236}">
+                <a16:creationId xmlns:a16="http://schemas.microsoft.com/office/drawing/2014/main" id="{6CD786EE-B604-47BE-9652-DDB9154EBA11}"/>
+              </a:ext>
+            </a:extLst>
+          </p:cNvPr>
+          <p:cNvCxnSpPr>
+            <a:cxnSpLocks/>
+            <a:stCxn id="18" idx="3"/>
+            <a:endCxn id="17" idx="1"/>
+          </p:cNvCxnSpPr>
+          <p:nvPr/>
+        </p:nvCxnSpPr>
+        <p:spPr>
+          <a:xfrm flipV="1">
+            <a:off x="2940699" y="2462948"/>
+            <a:ext cx="1372965" cy="954629"/>
+          </a:xfrm>
+          <a:prstGeom prst="bentConnector3">
+            <a:avLst/>
+          </a:prstGeom>
+          <a:ln>
+            <a:tailEnd type="triangle"/>
+          </a:ln>
+        </p:spPr>
+        <p:style>
+          <a:lnRef idx="1">
+            <a:schemeClr val="accent1"/>
+          </a:lnRef>
+          <a:fillRef idx="0">
+            <a:schemeClr val="accent1"/>
+          </a:fillRef>
+          <a:effectRef idx="0">
+            <a:schemeClr val="accent1"/>
+          </a:effectRef>
+          <a:fontRef idx="minor">
+            <a:schemeClr val="tx1"/>
+          </a:fontRef>
+        </p:style>
+      </p:cxnSp>
+      <p:sp>
+        <p:nvSpPr>
+          <p:cNvPr id="52" name="Rechteck 51">
+            <a:extLst>
+              <a:ext uri="{FF2B5EF4-FFF2-40B4-BE49-F238E27FC236}">
+                <a16:creationId xmlns:a16="http://schemas.microsoft.com/office/drawing/2014/main" id="{EB65C6F2-46B1-4E31-816F-8C0E41B81A19}"/>
+              </a:ext>
+            </a:extLst>
+          </p:cNvPr>
+          <p:cNvSpPr/>
+          <p:nvPr/>
+        </p:nvSpPr>
+        <p:spPr>
+          <a:xfrm>
+            <a:off x="5401787" y="1736640"/>
+            <a:ext cx="717603" cy="451962"/>
+          </a:xfrm>
+          <a:prstGeom prst="rect">
+            <a:avLst/>
+          </a:prstGeom>
+        </p:spPr>
+        <p:style>
+          <a:lnRef idx="2">
+            <a:schemeClr val="accent1">
+              <a:shade val="50000"/>
+            </a:schemeClr>
+          </a:lnRef>
+          <a:fillRef idx="1">
+            <a:schemeClr val="accent1"/>
+          </a:fillRef>
+          <a:effectRef idx="0">
+            <a:schemeClr val="accent1"/>
+          </a:effectRef>
+          <a:fontRef idx="minor">
+            <a:schemeClr val="lt1"/>
+          </a:fontRef>
+        </p:style>
+        <p:txBody>
+          <a:bodyPr rtlCol="0" anchor="ctr"/>
+          <a:lstStyle/>
+          <a:p>
+            <a:pPr algn="ctr"/>
+            <a:r>
+              <a:rPr lang="en-GB" dirty="0"/>
+              <a:t>&gt;20</a:t>
+            </a:r>
+          </a:p>
+        </p:txBody>
+      </p:sp>
+      <p:cxnSp>
+        <p:nvCxnSpPr>
+          <p:cNvPr id="54" name="Verbinder: gewinkelt 53">
+            <a:extLst>
+              <a:ext uri="{FF2B5EF4-FFF2-40B4-BE49-F238E27FC236}">
+                <a16:creationId xmlns:a16="http://schemas.microsoft.com/office/drawing/2014/main" id="{9C129D2A-819B-420D-9785-32312D8A1C7E}"/>
+              </a:ext>
+            </a:extLst>
+          </p:cNvPr>
+          <p:cNvCxnSpPr>
+            <a:stCxn id="17" idx="3"/>
+            <a:endCxn id="52" idx="1"/>
+          </p:cNvCxnSpPr>
+          <p:nvPr/>
+        </p:nvCxnSpPr>
+        <p:spPr>
+          <a:xfrm flipV="1">
+            <a:off x="5031267" y="1962621"/>
+            <a:ext cx="370520" cy="500327"/>
+          </a:xfrm>
+          <a:prstGeom prst="bentConnector3">
+            <a:avLst/>
+          </a:prstGeom>
+          <a:ln>
+            <a:tailEnd type="triangle"/>
+          </a:ln>
+        </p:spPr>
+        <p:style>
+          <a:lnRef idx="1">
+            <a:schemeClr val="accent1"/>
+          </a:lnRef>
+          <a:fillRef idx="0">
+            <a:schemeClr val="accent1"/>
+          </a:fillRef>
+          <a:effectRef idx="0">
+            <a:schemeClr val="accent1"/>
+          </a:effectRef>
+          <a:fontRef idx="minor">
+            <a:schemeClr val="tx1"/>
+          </a:fontRef>
+        </p:style>
+      </p:cxnSp>
+      <p:sp>
+        <p:nvSpPr>
+          <p:cNvPr id="57" name="Rechteck 56">
+            <a:extLst>
+              <a:ext uri="{FF2B5EF4-FFF2-40B4-BE49-F238E27FC236}">
+                <a16:creationId xmlns:a16="http://schemas.microsoft.com/office/drawing/2014/main" id="{98E19E79-5DB8-44E9-A91F-725B31693660}"/>
+              </a:ext>
+            </a:extLst>
+          </p:cNvPr>
+          <p:cNvSpPr/>
+          <p:nvPr/>
+        </p:nvSpPr>
+        <p:spPr>
+          <a:xfrm>
+            <a:off x="7577915" y="1307581"/>
+            <a:ext cx="717603" cy="451962"/>
+          </a:xfrm>
+          <a:prstGeom prst="rect">
+            <a:avLst/>
+          </a:prstGeom>
+        </p:spPr>
+        <p:style>
+          <a:lnRef idx="2">
+            <a:schemeClr val="accent1">
+              <a:shade val="50000"/>
+            </a:schemeClr>
+          </a:lnRef>
+          <a:fillRef idx="1">
+            <a:schemeClr val="accent1"/>
+          </a:fillRef>
+          <a:effectRef idx="0">
+            <a:schemeClr val="accent1"/>
+          </a:effectRef>
+          <a:fontRef idx="minor">
+            <a:schemeClr val="lt1"/>
+          </a:fontRef>
+        </p:style>
+        <p:txBody>
+          <a:bodyPr rtlCol="0" anchor="ctr"/>
+          <a:lstStyle/>
+          <a:p>
+            <a:pPr algn="ctr"/>
+            <a:r>
+              <a:rPr lang="en-GB" dirty="0"/>
+              <a:t>OR</a:t>
+            </a:r>
+          </a:p>
+        </p:txBody>
+      </p:sp>
+      <p:cxnSp>
+        <p:nvCxnSpPr>
+          <p:cNvPr id="73" name="Verbinder: gewinkelt 72">
+            <a:extLst>
+              <a:ext uri="{FF2B5EF4-FFF2-40B4-BE49-F238E27FC236}">
+                <a16:creationId xmlns:a16="http://schemas.microsoft.com/office/drawing/2014/main" id="{2859F2AF-C3D2-4F76-BE2D-68786260452B}"/>
+              </a:ext>
+            </a:extLst>
+          </p:cNvPr>
+          <p:cNvCxnSpPr>
+            <a:stCxn id="25" idx="6"/>
+            <a:endCxn id="26" idx="1"/>
+          </p:cNvCxnSpPr>
+          <p:nvPr/>
+        </p:nvCxnSpPr>
+        <p:spPr>
+          <a:xfrm flipV="1">
+            <a:off x="2029094" y="1089020"/>
+            <a:ext cx="3372694" cy="1027568"/>
+          </a:xfrm>
+          <a:prstGeom prst="bentConnector3">
+            <a:avLst/>
+          </a:prstGeom>
+          <a:ln>
+            <a:tailEnd type="triangle"/>
+          </a:ln>
+        </p:spPr>
+        <p:style>
+          <a:lnRef idx="1">
+            <a:schemeClr val="accent1"/>
+          </a:lnRef>
+          <a:fillRef idx="0">
+            <a:schemeClr val="accent1"/>
+          </a:fillRef>
+          <a:effectRef idx="0">
+            <a:schemeClr val="accent1"/>
+          </a:effectRef>
+          <a:fontRef idx="minor">
+            <a:schemeClr val="tx1"/>
+          </a:fontRef>
+        </p:style>
+      </p:cxnSp>
+      <p:cxnSp>
+        <p:nvCxnSpPr>
+          <p:cNvPr id="77" name="Verbinder: gewinkelt 76">
+            <a:extLst>
+              <a:ext uri="{FF2B5EF4-FFF2-40B4-BE49-F238E27FC236}">
+                <a16:creationId xmlns:a16="http://schemas.microsoft.com/office/drawing/2014/main" id="{D38E5A61-955E-4392-BF2E-F28808732C99}"/>
+              </a:ext>
+            </a:extLst>
+          </p:cNvPr>
+          <p:cNvCxnSpPr>
+            <a:cxnSpLocks/>
+            <a:stCxn id="26" idx="3"/>
+            <a:endCxn id="57" idx="0"/>
+          </p:cNvCxnSpPr>
+          <p:nvPr/>
+        </p:nvCxnSpPr>
+        <p:spPr>
+          <a:xfrm>
+            <a:off x="6119390" y="1089020"/>
+            <a:ext cx="1817327" cy="218561"/>
+          </a:xfrm>
+          <a:prstGeom prst="bentConnector2">
+            <a:avLst/>
+          </a:prstGeom>
+          <a:ln>
+            <a:tailEnd type="triangle"/>
+          </a:ln>
+        </p:spPr>
+        <p:style>
+          <a:lnRef idx="1">
+            <a:schemeClr val="accent1"/>
+          </a:lnRef>
+          <a:fillRef idx="0">
+            <a:schemeClr val="accent1"/>
+          </a:fillRef>
+          <a:effectRef idx="0">
+            <a:schemeClr val="accent1"/>
+          </a:effectRef>
+          <a:fontRef idx="minor">
+            <a:schemeClr val="tx1"/>
+          </a:fontRef>
+        </p:style>
+      </p:cxnSp>
+      <p:cxnSp>
+        <p:nvCxnSpPr>
+          <p:cNvPr id="78" name="Verbinder: gewinkelt 77">
+            <a:extLst>
+              <a:ext uri="{FF2B5EF4-FFF2-40B4-BE49-F238E27FC236}">
+                <a16:creationId xmlns:a16="http://schemas.microsoft.com/office/drawing/2014/main" id="{E34E02CF-D45C-4D8E-86E1-19E9E866F1DD}"/>
+              </a:ext>
+            </a:extLst>
+          </p:cNvPr>
+          <p:cNvCxnSpPr>
+            <a:cxnSpLocks/>
+            <a:stCxn id="52" idx="3"/>
+            <a:endCxn id="57" idx="2"/>
+          </p:cNvCxnSpPr>
+          <p:nvPr/>
+        </p:nvCxnSpPr>
+        <p:spPr>
+          <a:xfrm flipV="1">
+            <a:off x="6119390" y="1759543"/>
+            <a:ext cx="1817327" cy="203078"/>
+          </a:xfrm>
+          <a:prstGeom prst="bentConnector2">
+            <a:avLst/>
+          </a:prstGeom>
+          <a:ln>
+            <a:tailEnd type="triangle"/>
+          </a:ln>
+        </p:spPr>
+        <p:style>
+          <a:lnRef idx="1">
+            <a:schemeClr val="accent1"/>
+          </a:lnRef>
+          <a:fillRef idx="0">
+            <a:schemeClr val="accent1"/>
+          </a:fillRef>
+          <a:effectRef idx="0">
+            <a:schemeClr val="accent1"/>
+          </a:effectRef>
+          <a:fontRef idx="minor">
+            <a:schemeClr val="tx1"/>
+          </a:fontRef>
+        </p:style>
+      </p:cxnSp>
+      <p:cxnSp>
+        <p:nvCxnSpPr>
+          <p:cNvPr id="82" name="Gerade Verbindung mit Pfeil 81">
+            <a:extLst>
+              <a:ext uri="{FF2B5EF4-FFF2-40B4-BE49-F238E27FC236}">
+                <a16:creationId xmlns:a16="http://schemas.microsoft.com/office/drawing/2014/main" id="{85D928DE-025F-41DD-A352-7D174AC9AEBB}"/>
+              </a:ext>
+            </a:extLst>
+          </p:cNvPr>
+          <p:cNvCxnSpPr>
+            <a:stCxn id="57" idx="3"/>
+            <a:endCxn id="6" idx="1"/>
+          </p:cNvCxnSpPr>
+          <p:nvPr/>
+        </p:nvCxnSpPr>
+        <p:spPr>
+          <a:xfrm flipV="1">
+            <a:off x="8295518" y="1525821"/>
+            <a:ext cx="804082" cy="7741"/>
+          </a:xfrm>
+          <a:prstGeom prst="straightConnector1">
+            <a:avLst/>
+          </a:prstGeom>
+          <a:ln>
+            <a:tailEnd type="triangle"/>
+          </a:ln>
+        </p:spPr>
+        <p:style>
+          <a:lnRef idx="1">
+            <a:schemeClr val="accent1"/>
+          </a:lnRef>
+          <a:fillRef idx="0">
+            <a:schemeClr val="accent1"/>
+          </a:fillRef>
+          <a:effectRef idx="0">
+            <a:schemeClr val="accent1"/>
+          </a:effectRef>
+          <a:fontRef idx="minor">
+            <a:schemeClr val="tx1"/>
+          </a:fontRef>
+        </p:style>
+      </p:cxnSp>
+      <p:sp>
+        <p:nvSpPr>
+          <p:cNvPr id="86" name="Rechteck 85">
+            <a:extLst>
+              <a:ext uri="{FF2B5EF4-FFF2-40B4-BE49-F238E27FC236}">
+                <a16:creationId xmlns:a16="http://schemas.microsoft.com/office/drawing/2014/main" id="{0CAFC2E9-9A80-4F3A-9AE4-F2542AD0E03D}"/>
+              </a:ext>
+            </a:extLst>
+          </p:cNvPr>
+          <p:cNvSpPr/>
+          <p:nvPr/>
+        </p:nvSpPr>
+        <p:spPr>
+          <a:xfrm>
+            <a:off x="5401787" y="3191596"/>
+            <a:ext cx="717603" cy="451962"/>
+          </a:xfrm>
+          <a:prstGeom prst="rect">
+            <a:avLst/>
+          </a:prstGeom>
+        </p:spPr>
+        <p:style>
+          <a:lnRef idx="2">
+            <a:schemeClr val="accent1">
+              <a:shade val="50000"/>
+            </a:schemeClr>
+          </a:lnRef>
+          <a:fillRef idx="1">
+            <a:schemeClr val="accent1"/>
+          </a:fillRef>
+          <a:effectRef idx="0">
+            <a:schemeClr val="accent1"/>
+          </a:effectRef>
+          <a:fontRef idx="minor">
+            <a:schemeClr val="lt1"/>
+          </a:fontRef>
+        </p:style>
+        <p:txBody>
+          <a:bodyPr rtlCol="0" anchor="ctr"/>
+          <a:lstStyle/>
+          <a:p>
+            <a:pPr algn="ctr"/>
+            <a:r>
+              <a:rPr lang="en-GB" dirty="0"/>
+              <a:t>&gt;7</a:t>
+            </a:r>
+          </a:p>
+        </p:txBody>
+      </p:sp>
+      <p:cxnSp>
+        <p:nvCxnSpPr>
+          <p:cNvPr id="90" name="Gerade Verbindung mit Pfeil 89">
+            <a:extLst>
+              <a:ext uri="{FF2B5EF4-FFF2-40B4-BE49-F238E27FC236}">
+                <a16:creationId xmlns:a16="http://schemas.microsoft.com/office/drawing/2014/main" id="{0BB44EE3-6477-40C5-896F-3FDFC4EB3824}"/>
+              </a:ext>
+            </a:extLst>
+          </p:cNvPr>
+          <p:cNvCxnSpPr>
+            <a:stCxn id="18" idx="3"/>
+            <a:endCxn id="86" idx="1"/>
+          </p:cNvCxnSpPr>
+          <p:nvPr/>
+        </p:nvCxnSpPr>
+        <p:spPr>
+          <a:xfrm>
+            <a:off x="2940699" y="3417577"/>
+            <a:ext cx="2461088" cy="0"/>
+          </a:xfrm>
+          <a:prstGeom prst="straightConnector1">
+            <a:avLst/>
+          </a:prstGeom>
+          <a:ln>
+            <a:tailEnd type="triangle"/>
+          </a:ln>
+        </p:spPr>
+        <p:style>
+          <a:lnRef idx="1">
+            <a:schemeClr val="accent1"/>
+          </a:lnRef>
+          <a:fillRef idx="0">
+            <a:schemeClr val="accent1"/>
+          </a:fillRef>
+          <a:effectRef idx="0">
+            <a:schemeClr val="accent1"/>
+          </a:effectRef>
+          <a:fontRef idx="minor">
+            <a:schemeClr val="tx1"/>
+          </a:fontRef>
+        </p:style>
+      </p:cxnSp>
+      <p:cxnSp>
+        <p:nvCxnSpPr>
+          <p:cNvPr id="107" name="Verbinder: gewinkelt 106">
+            <a:extLst>
+              <a:ext uri="{FF2B5EF4-FFF2-40B4-BE49-F238E27FC236}">
+                <a16:creationId xmlns:a16="http://schemas.microsoft.com/office/drawing/2014/main" id="{7AC08FD2-506E-48DE-827D-4C7A55AD7AD3}"/>
+              </a:ext>
+            </a:extLst>
+          </p:cNvPr>
+          <p:cNvCxnSpPr>
+            <a:cxnSpLocks/>
+            <a:stCxn id="86" idx="3"/>
+            <a:endCxn id="135" idx="0"/>
+          </p:cNvCxnSpPr>
+          <p:nvPr/>
+        </p:nvCxnSpPr>
+        <p:spPr>
+          <a:xfrm flipV="1">
+            <a:off x="6119390" y="3191596"/>
+            <a:ext cx="1817327" cy="225981"/>
+          </a:xfrm>
+          <a:prstGeom prst="bentConnector4">
+            <a:avLst>
+              <a:gd name="adj1" fmla="val 40128"/>
+              <a:gd name="adj2" fmla="val 201159"/>
+            </a:avLst>
+          </a:prstGeom>
+          <a:ln>
+            <a:tailEnd type="triangle"/>
+          </a:ln>
+        </p:spPr>
+        <p:style>
+          <a:lnRef idx="1">
+            <a:schemeClr val="accent1"/>
+          </a:lnRef>
+          <a:fillRef idx="0">
+            <a:schemeClr val="accent1"/>
+          </a:fillRef>
+          <a:effectRef idx="0">
+            <a:schemeClr val="accent1"/>
+          </a:effectRef>
+          <a:fontRef idx="minor">
+            <a:schemeClr val="tx1"/>
+          </a:fontRef>
+        </p:style>
+      </p:cxnSp>
+      <p:sp>
+        <p:nvSpPr>
+          <p:cNvPr id="118" name="Rechteck 117">
+            <a:extLst>
+              <a:ext uri="{FF2B5EF4-FFF2-40B4-BE49-F238E27FC236}">
+                <a16:creationId xmlns:a16="http://schemas.microsoft.com/office/drawing/2014/main" id="{27E27356-B791-4927-BF6C-1BB373B42DB0}"/>
+              </a:ext>
+            </a:extLst>
+          </p:cNvPr>
+          <p:cNvSpPr/>
+          <p:nvPr/>
+        </p:nvSpPr>
+        <p:spPr>
+          <a:xfrm>
+            <a:off x="432389" y="4312221"/>
+            <a:ext cx="2508309" cy="812692"/>
+          </a:xfrm>
+          <a:prstGeom prst="rect">
+            <a:avLst/>
+          </a:prstGeom>
+        </p:spPr>
+        <p:style>
+          <a:lnRef idx="2">
+            <a:schemeClr val="accent1">
+              <a:shade val="50000"/>
+            </a:schemeClr>
+          </a:lnRef>
+          <a:fillRef idx="1">
+            <a:schemeClr val="accent1"/>
+          </a:fillRef>
+          <a:effectRef idx="0">
+            <a:schemeClr val="accent1"/>
+          </a:effectRef>
+          <a:fontRef idx="minor">
+            <a:schemeClr val="lt1"/>
+          </a:fontRef>
+        </p:style>
+        <p:txBody>
+          <a:bodyPr rtlCol="0" anchor="ctr"/>
+          <a:lstStyle/>
+          <a:p>
+            <a:pPr algn="ctr"/>
+            <a:r>
+              <a:rPr lang="en-GB" dirty="0"/>
+              <a:t>Shelf in section n</a:t>
+            </a:r>
+          </a:p>
+        </p:txBody>
+      </p:sp>
+      <p:sp>
+        <p:nvSpPr>
+          <p:cNvPr id="120" name="Textfeld 119">
+            <a:extLst>
+              <a:ext uri="{FF2B5EF4-FFF2-40B4-BE49-F238E27FC236}">
+                <a16:creationId xmlns:a16="http://schemas.microsoft.com/office/drawing/2014/main" id="{14291470-1751-4303-9EE0-EBD8AE475D54}"/>
+              </a:ext>
+            </a:extLst>
+          </p:cNvPr>
+          <p:cNvSpPr txBox="1"/>
+          <p:nvPr/>
+        </p:nvSpPr>
+        <p:spPr>
+          <a:xfrm>
+            <a:off x="3159515" y="2648080"/>
+            <a:ext cx="498787" cy="369332"/>
+          </a:xfrm>
+          <a:prstGeom prst="rect">
+            <a:avLst/>
+          </a:prstGeom>
+          <a:noFill/>
+        </p:spPr>
+        <p:txBody>
+          <a:bodyPr wrap="square" rtlCol="0">
+            <a:spAutoFit/>
+          </a:bodyPr>
+          <a:lstStyle/>
+          <a:p>
+            <a:r>
+              <a:rPr lang="en-GB" dirty="0"/>
+              <a:t>1:n</a:t>
+            </a:r>
+          </a:p>
+        </p:txBody>
+      </p:sp>
+      <p:sp>
+        <p:nvSpPr>
+          <p:cNvPr id="121" name="Rechteck 120">
+            <a:extLst>
+              <a:ext uri="{FF2B5EF4-FFF2-40B4-BE49-F238E27FC236}">
+                <a16:creationId xmlns:a16="http://schemas.microsoft.com/office/drawing/2014/main" id="{F7388D7B-4E90-4BA9-B4F9-47478CFC5E24}"/>
+              </a:ext>
+            </a:extLst>
+          </p:cNvPr>
+          <p:cNvSpPr/>
+          <p:nvPr/>
+        </p:nvSpPr>
+        <p:spPr>
+          <a:xfrm>
+            <a:off x="5135433" y="4492586"/>
+            <a:ext cx="983957" cy="451962"/>
+          </a:xfrm>
+          <a:prstGeom prst="rect">
+            <a:avLst/>
+          </a:prstGeom>
+        </p:spPr>
+        <p:style>
+          <a:lnRef idx="2">
+            <a:schemeClr val="accent1">
+              <a:shade val="50000"/>
+            </a:schemeClr>
+          </a:lnRef>
+          <a:fillRef idx="1">
+            <a:schemeClr val="accent1"/>
+          </a:fillRef>
+          <a:effectRef idx="0">
+            <a:schemeClr val="accent1"/>
+          </a:effectRef>
+          <a:fontRef idx="minor">
+            <a:schemeClr val="lt1"/>
+          </a:fontRef>
+        </p:style>
+        <p:txBody>
+          <a:bodyPr rtlCol="0" anchor="ctr"/>
+          <a:lstStyle/>
+          <a:p>
+            <a:pPr algn="ctr"/>
+            <a:r>
+              <a:rPr lang="en-GB" dirty="0" err="1"/>
+              <a:t>isEmpty</a:t>
+            </a:r>
+            <a:endParaRPr lang="en-GB" dirty="0"/>
+          </a:p>
+        </p:txBody>
+      </p:sp>
+      <p:grpSp>
+        <p:nvGrpSpPr>
+          <p:cNvPr id="144" name="Gruppieren 143">
+            <a:extLst>
+              <a:ext uri="{FF2B5EF4-FFF2-40B4-BE49-F238E27FC236}">
+                <a16:creationId xmlns:a16="http://schemas.microsoft.com/office/drawing/2014/main" id="{753574C0-D570-4E36-B6DA-88E5F8CE3112}"/>
+              </a:ext>
+            </a:extLst>
+          </p:cNvPr>
+          <p:cNvGrpSpPr/>
+          <p:nvPr/>
+        </p:nvGrpSpPr>
+        <p:grpSpPr>
+          <a:xfrm>
+            <a:off x="41267" y="3815977"/>
+            <a:ext cx="3617386" cy="1631216"/>
+            <a:chOff x="41267" y="3815977"/>
+            <a:chExt cx="3617386" cy="1631216"/>
+          </a:xfrm>
+        </p:grpSpPr>
+        <p:sp>
+          <p:nvSpPr>
+            <p:cNvPr id="122" name="Textfeld 121">
+              <a:extLst>
+                <a:ext uri="{FF2B5EF4-FFF2-40B4-BE49-F238E27FC236}">
+                  <a16:creationId xmlns:a16="http://schemas.microsoft.com/office/drawing/2014/main" id="{9B272662-B097-4354-81E0-852C8C68C155}"/>
+                </a:ext>
+              </a:extLst>
+            </p:cNvPr>
+            <p:cNvSpPr txBox="1"/>
+            <p:nvPr/>
+          </p:nvSpPr>
+          <p:spPr>
+            <a:xfrm>
+              <a:off x="41267" y="3815977"/>
+              <a:ext cx="3403473" cy="1631216"/>
+            </a:xfrm>
+            <a:prstGeom prst="rect">
+              <a:avLst/>
+            </a:prstGeom>
+            <a:noFill/>
+          </p:spPr>
+          <p:txBody>
+            <a:bodyPr wrap="square" rtlCol="0">
+              <a:spAutoFit/>
+            </a:bodyPr>
+            <a:lstStyle/>
+            <a:p>
+              <a:r>
+                <a:rPr lang="en-GB" sz="10000" dirty="0"/>
+                <a:t>[			]</a:t>
+              </a:r>
+              <a:endParaRPr lang="en-GB" sz="2000" baseline="30000" dirty="0"/>
+            </a:p>
+          </p:txBody>
+        </p:sp>
+        <p:sp>
+          <p:nvSpPr>
+            <p:cNvPr id="123" name="Textfeld 122">
+              <a:extLst>
+                <a:ext uri="{FF2B5EF4-FFF2-40B4-BE49-F238E27FC236}">
+                  <a16:creationId xmlns:a16="http://schemas.microsoft.com/office/drawing/2014/main" id="{D21F8B28-0FCA-44FD-BBC1-B1C1747C4CCE}"/>
+                </a:ext>
+              </a:extLst>
+            </p:cNvPr>
+            <p:cNvSpPr txBox="1"/>
+            <p:nvPr/>
+          </p:nvSpPr>
+          <p:spPr>
+            <a:xfrm>
+              <a:off x="3159866" y="3949069"/>
+              <a:ext cx="498787" cy="369332"/>
+            </a:xfrm>
+            <a:prstGeom prst="rect">
+              <a:avLst/>
+            </a:prstGeom>
+            <a:noFill/>
+          </p:spPr>
+          <p:txBody>
+            <a:bodyPr wrap="square" rtlCol="0">
+              <a:spAutoFit/>
+            </a:bodyPr>
+            <a:lstStyle/>
+            <a:p>
+              <a:r>
+                <a:rPr lang="en-GB" dirty="0"/>
+                <a:t>1:n</a:t>
+              </a:r>
+            </a:p>
+          </p:txBody>
+        </p:sp>
+      </p:grpSp>
+      <p:cxnSp>
+        <p:nvCxnSpPr>
+          <p:cNvPr id="125" name="Verbinder: gewinkelt 124">
+            <a:extLst>
+              <a:ext uri="{FF2B5EF4-FFF2-40B4-BE49-F238E27FC236}">
+                <a16:creationId xmlns:a16="http://schemas.microsoft.com/office/drawing/2014/main" id="{D553E19D-C19E-4A55-8017-6C318ACDD396}"/>
+              </a:ext>
+            </a:extLst>
+          </p:cNvPr>
+          <p:cNvCxnSpPr>
+            <a:cxnSpLocks/>
+            <a:stCxn id="121" idx="3"/>
+            <a:endCxn id="135" idx="2"/>
+          </p:cNvCxnSpPr>
+          <p:nvPr/>
+        </p:nvCxnSpPr>
+        <p:spPr>
+          <a:xfrm flipV="1">
+            <a:off x="6119390" y="3643558"/>
+            <a:ext cx="1817327" cy="1075009"/>
+          </a:xfrm>
+          <a:prstGeom prst="bentConnector2">
+            <a:avLst/>
+          </a:prstGeom>
+          <a:ln>
+            <a:tailEnd type="triangle"/>
+          </a:ln>
+        </p:spPr>
+        <p:style>
+          <a:lnRef idx="1">
+            <a:schemeClr val="accent1"/>
+          </a:lnRef>
+          <a:fillRef idx="0">
+            <a:schemeClr val="accent1"/>
+          </a:fillRef>
+          <a:effectRef idx="0">
+            <a:schemeClr val="accent1"/>
+          </a:effectRef>
+          <a:fontRef idx="minor">
+            <a:schemeClr val="tx1"/>
+          </a:fontRef>
+        </p:style>
+      </p:cxnSp>
+      <p:cxnSp>
+        <p:nvCxnSpPr>
+          <p:cNvPr id="128" name="Gerade Verbindung mit Pfeil 127">
+            <a:extLst>
+              <a:ext uri="{FF2B5EF4-FFF2-40B4-BE49-F238E27FC236}">
+                <a16:creationId xmlns:a16="http://schemas.microsoft.com/office/drawing/2014/main" id="{4D75B442-DA73-4C5B-85F9-85CCCEFD12A6}"/>
+              </a:ext>
+            </a:extLst>
+          </p:cNvPr>
+          <p:cNvCxnSpPr>
+            <a:cxnSpLocks/>
+            <a:stCxn id="118" idx="3"/>
+            <a:endCxn id="121" idx="1"/>
+          </p:cNvCxnSpPr>
+          <p:nvPr/>
+        </p:nvCxnSpPr>
+        <p:spPr>
+          <a:xfrm>
+            <a:off x="2940698" y="4718567"/>
+            <a:ext cx="2194735" cy="0"/>
+          </a:xfrm>
+          <a:prstGeom prst="straightConnector1">
+            <a:avLst/>
+          </a:prstGeom>
+          <a:ln>
+            <a:tailEnd type="triangle"/>
+          </a:ln>
+        </p:spPr>
+        <p:style>
+          <a:lnRef idx="1">
+            <a:schemeClr val="accent1"/>
+          </a:lnRef>
+          <a:fillRef idx="0">
+            <a:schemeClr val="accent1"/>
+          </a:fillRef>
+          <a:effectRef idx="0">
+            <a:schemeClr val="accent1"/>
+          </a:effectRef>
+          <a:fontRef idx="minor">
+            <a:schemeClr val="tx1"/>
+          </a:fontRef>
+        </p:style>
+      </p:cxnSp>
+      <p:sp>
+        <p:nvSpPr>
+          <p:cNvPr id="135" name="Rechteck 134">
+            <a:extLst>
+              <a:ext uri="{FF2B5EF4-FFF2-40B4-BE49-F238E27FC236}">
+                <a16:creationId xmlns:a16="http://schemas.microsoft.com/office/drawing/2014/main" id="{914B1316-B3CF-45CE-8164-DEF8D5F25733}"/>
+              </a:ext>
+            </a:extLst>
+          </p:cNvPr>
+          <p:cNvSpPr/>
+          <p:nvPr/>
+        </p:nvSpPr>
+        <p:spPr>
+          <a:xfrm>
+            <a:off x="7577915" y="3191596"/>
+            <a:ext cx="717603" cy="451962"/>
+          </a:xfrm>
+          <a:prstGeom prst="rect">
+            <a:avLst/>
+          </a:prstGeom>
+        </p:spPr>
+        <p:style>
+          <a:lnRef idx="2">
+            <a:schemeClr val="accent1">
+              <a:shade val="50000"/>
+            </a:schemeClr>
+          </a:lnRef>
+          <a:fillRef idx="1">
+            <a:schemeClr val="accent1"/>
+          </a:fillRef>
+          <a:effectRef idx="0">
+            <a:schemeClr val="accent1"/>
+          </a:effectRef>
+          <a:fontRef idx="minor">
+            <a:schemeClr val="lt1"/>
+          </a:fontRef>
+        </p:style>
+        <p:txBody>
+          <a:bodyPr rtlCol="0" anchor="ctr"/>
+          <a:lstStyle/>
+          <a:p>
+            <a:pPr algn="ctr"/>
+            <a:r>
+              <a:rPr lang="en-GB" dirty="0"/>
+              <a:t>OR</a:t>
+            </a:r>
+          </a:p>
+        </p:txBody>
+      </p:sp>
+      <p:cxnSp>
+        <p:nvCxnSpPr>
+          <p:cNvPr id="138" name="Gerade Verbindung mit Pfeil 137">
+            <a:extLst>
+              <a:ext uri="{FF2B5EF4-FFF2-40B4-BE49-F238E27FC236}">
+                <a16:creationId xmlns:a16="http://schemas.microsoft.com/office/drawing/2014/main" id="{EED31782-754C-4FCB-9019-EC13BF1CFF5E}"/>
+              </a:ext>
+            </a:extLst>
+          </p:cNvPr>
+          <p:cNvCxnSpPr>
+            <a:cxnSpLocks/>
+            <a:stCxn id="135" idx="3"/>
+            <a:endCxn id="23" idx="1"/>
+          </p:cNvCxnSpPr>
+          <p:nvPr/>
+        </p:nvCxnSpPr>
+        <p:spPr>
+          <a:xfrm>
+            <a:off x="8295518" y="3417577"/>
+            <a:ext cx="804081" cy="3973"/>
+          </a:xfrm>
+          <a:prstGeom prst="straightConnector1">
+            <a:avLst/>
+          </a:prstGeom>
+          <a:ln>
+            <a:tailEnd type="triangle"/>
+          </a:ln>
+        </p:spPr>
+        <p:style>
+          <a:lnRef idx="1">
+            <a:schemeClr val="accent1"/>
+          </a:lnRef>
+          <a:fillRef idx="0">
+            <a:schemeClr val="accent1"/>
+          </a:fillRef>
+          <a:effectRef idx="0">
+            <a:schemeClr val="accent1"/>
+          </a:effectRef>
+          <a:fontRef idx="minor">
+            <a:schemeClr val="tx1"/>
+          </a:fontRef>
+        </p:style>
+      </p:cxnSp>
+      <p:grpSp>
+        <p:nvGrpSpPr>
+          <p:cNvPr id="145" name="Gruppieren 144">
+            <a:extLst>
+              <a:ext uri="{FF2B5EF4-FFF2-40B4-BE49-F238E27FC236}">
+                <a16:creationId xmlns:a16="http://schemas.microsoft.com/office/drawing/2014/main" id="{9C495AB9-899E-40D4-B235-2E300177FE9A}"/>
+              </a:ext>
+            </a:extLst>
+          </p:cNvPr>
+          <p:cNvGrpSpPr/>
+          <p:nvPr/>
+        </p:nvGrpSpPr>
+        <p:grpSpPr>
+          <a:xfrm>
+            <a:off x="8684414" y="2522933"/>
+            <a:ext cx="3617386" cy="1631216"/>
+            <a:chOff x="41267" y="3815977"/>
+            <a:chExt cx="3617386" cy="1631216"/>
+          </a:xfrm>
+        </p:grpSpPr>
+        <p:sp>
+          <p:nvSpPr>
+            <p:cNvPr id="146" name="Textfeld 145">
+              <a:extLst>
+                <a:ext uri="{FF2B5EF4-FFF2-40B4-BE49-F238E27FC236}">
+                  <a16:creationId xmlns:a16="http://schemas.microsoft.com/office/drawing/2014/main" id="{D3B6D42F-8A50-42C4-AE87-67E243A49CEF}"/>
+                </a:ext>
+              </a:extLst>
+            </p:cNvPr>
+            <p:cNvSpPr txBox="1"/>
+            <p:nvPr/>
+          </p:nvSpPr>
+          <p:spPr>
+            <a:xfrm>
+              <a:off x="41267" y="3815977"/>
+              <a:ext cx="3403473" cy="1631216"/>
+            </a:xfrm>
+            <a:prstGeom prst="rect">
+              <a:avLst/>
+            </a:prstGeom>
+            <a:noFill/>
+          </p:spPr>
+          <p:txBody>
+            <a:bodyPr wrap="square" rtlCol="0">
+              <a:spAutoFit/>
+            </a:bodyPr>
+            <a:lstStyle/>
+            <a:p>
+              <a:r>
+                <a:rPr lang="en-GB" sz="10000" dirty="0"/>
+                <a:t>[			]</a:t>
+              </a:r>
+              <a:endParaRPr lang="en-GB" sz="2000" baseline="30000" dirty="0"/>
+            </a:p>
+          </p:txBody>
+        </p:sp>
+        <p:sp>
+          <p:nvSpPr>
+            <p:cNvPr id="147" name="Textfeld 146">
+              <a:extLst>
+                <a:ext uri="{FF2B5EF4-FFF2-40B4-BE49-F238E27FC236}">
+                  <a16:creationId xmlns:a16="http://schemas.microsoft.com/office/drawing/2014/main" id="{986E8BB3-9A7C-4E7A-902E-98F4BB335C9C}"/>
+                </a:ext>
+              </a:extLst>
+            </p:cNvPr>
+            <p:cNvSpPr txBox="1"/>
+            <p:nvPr/>
+          </p:nvSpPr>
+          <p:spPr>
+            <a:xfrm>
+              <a:off x="3159866" y="3949069"/>
+              <a:ext cx="498787" cy="369332"/>
+            </a:xfrm>
+            <a:prstGeom prst="rect">
+              <a:avLst/>
+            </a:prstGeom>
+            <a:noFill/>
+          </p:spPr>
+          <p:txBody>
+            <a:bodyPr wrap="square" rtlCol="0">
+              <a:spAutoFit/>
+            </a:bodyPr>
+            <a:lstStyle/>
+            <a:p>
+              <a:r>
+                <a:rPr lang="en-GB" dirty="0"/>
+                <a:t>1:n</a:t>
+              </a:r>
+            </a:p>
+          </p:txBody>
+        </p:sp>
+      </p:grpSp>
+      <p:sp>
+        <p:nvSpPr>
+          <p:cNvPr id="156" name="Rechteck 155">
+            <a:extLst>
+              <a:ext uri="{FF2B5EF4-FFF2-40B4-BE49-F238E27FC236}">
+                <a16:creationId xmlns:a16="http://schemas.microsoft.com/office/drawing/2014/main" id="{7C6B9AFB-7362-4F3B-B1CC-0DE30F58DDD5}"/>
+              </a:ext>
+            </a:extLst>
+          </p:cNvPr>
+          <p:cNvSpPr/>
+          <p:nvPr/>
+        </p:nvSpPr>
+        <p:spPr>
+          <a:xfrm>
+            <a:off x="6425819" y="4072378"/>
+            <a:ext cx="422833" cy="354309"/>
+          </a:xfrm>
+          <a:prstGeom prst="rect">
+            <a:avLst/>
+          </a:prstGeom>
+        </p:spPr>
+        <p:style>
+          <a:lnRef idx="2">
+            <a:schemeClr val="accent1">
+              <a:shade val="50000"/>
+            </a:schemeClr>
+          </a:lnRef>
+          <a:fillRef idx="1">
+            <a:schemeClr val="accent1"/>
+          </a:fillRef>
+          <a:effectRef idx="0">
+            <a:schemeClr val="accent1"/>
+          </a:effectRef>
+          <a:fontRef idx="minor">
+            <a:schemeClr val="lt1"/>
+          </a:fontRef>
+        </p:style>
+        <p:txBody>
+          <a:bodyPr rtlCol="0" anchor="ctr"/>
+          <a:lstStyle/>
+          <a:p>
+            <a:pPr algn="ctr"/>
+            <a:r>
+              <a:rPr lang="en-GB" dirty="0"/>
+              <a:t>&amp;</a:t>
+            </a:r>
+          </a:p>
+        </p:txBody>
+      </p:sp>
+      <p:cxnSp>
+        <p:nvCxnSpPr>
+          <p:cNvPr id="158" name="Verbinder: gewinkelt 157">
+            <a:extLst>
+              <a:ext uri="{FF2B5EF4-FFF2-40B4-BE49-F238E27FC236}">
+                <a16:creationId xmlns:a16="http://schemas.microsoft.com/office/drawing/2014/main" id="{10A2C510-783C-42C7-B854-2677B504FB0A}"/>
+              </a:ext>
+            </a:extLst>
+          </p:cNvPr>
+          <p:cNvCxnSpPr>
+            <a:cxnSpLocks/>
+            <a:stCxn id="121" idx="3"/>
+            <a:endCxn id="156" idx="1"/>
+          </p:cNvCxnSpPr>
+          <p:nvPr/>
+        </p:nvCxnSpPr>
+        <p:spPr>
+          <a:xfrm flipV="1">
+            <a:off x="6119390" y="4249533"/>
+            <a:ext cx="306429" cy="469034"/>
+          </a:xfrm>
+          <a:prstGeom prst="bentConnector3">
+            <a:avLst>
+              <a:gd name="adj1" fmla="val 50000"/>
+            </a:avLst>
+          </a:prstGeom>
+          <a:ln>
+            <a:tailEnd type="triangle"/>
+          </a:ln>
+        </p:spPr>
+        <p:style>
+          <a:lnRef idx="1">
+            <a:schemeClr val="accent1"/>
+          </a:lnRef>
+          <a:fillRef idx="0">
+            <a:schemeClr val="accent1"/>
+          </a:fillRef>
+          <a:effectRef idx="0">
+            <a:schemeClr val="accent1"/>
+          </a:effectRef>
+          <a:fontRef idx="minor">
+            <a:schemeClr val="tx1"/>
+          </a:fontRef>
+        </p:style>
+      </p:cxnSp>
+      <p:cxnSp>
+        <p:nvCxnSpPr>
+          <p:cNvPr id="165" name="Verbinder: gewinkelt 164">
+            <a:extLst>
+              <a:ext uri="{FF2B5EF4-FFF2-40B4-BE49-F238E27FC236}">
+                <a16:creationId xmlns:a16="http://schemas.microsoft.com/office/drawing/2014/main" id="{F261092F-C0FB-44E7-AA19-4CD0287B1302}"/>
+              </a:ext>
+            </a:extLst>
+          </p:cNvPr>
+          <p:cNvCxnSpPr>
+            <a:cxnSpLocks/>
+            <a:stCxn id="156" idx="3"/>
+            <a:endCxn id="57" idx="1"/>
+          </p:cNvCxnSpPr>
+          <p:nvPr/>
+        </p:nvCxnSpPr>
+        <p:spPr>
+          <a:xfrm flipV="1">
+            <a:off x="6848652" y="1533562"/>
+            <a:ext cx="729263" cy="2715971"/>
+          </a:xfrm>
+          <a:prstGeom prst="bentConnector3">
+            <a:avLst>
+              <a:gd name="adj1" fmla="val 50000"/>
+            </a:avLst>
+          </a:prstGeom>
+          <a:ln>
+            <a:tailEnd type="triangle"/>
+          </a:ln>
+        </p:spPr>
+        <p:style>
+          <a:lnRef idx="1">
+            <a:schemeClr val="accent1"/>
+          </a:lnRef>
+          <a:fillRef idx="0">
+            <a:schemeClr val="accent1"/>
+          </a:fillRef>
+          <a:effectRef idx="0">
+            <a:schemeClr val="accent1"/>
+          </a:effectRef>
+          <a:fontRef idx="minor">
+            <a:schemeClr val="tx1"/>
+          </a:fontRef>
+        </p:style>
+      </p:cxnSp>
+      <p:sp>
+        <p:nvSpPr>
+          <p:cNvPr id="199" name="Rechteck 198">
+            <a:extLst>
+              <a:ext uri="{FF2B5EF4-FFF2-40B4-BE49-F238E27FC236}">
+                <a16:creationId xmlns:a16="http://schemas.microsoft.com/office/drawing/2014/main" id="{B4F0D99B-7D0C-450E-99FD-9BE6FBFE5738}"/>
+              </a:ext>
+            </a:extLst>
+          </p:cNvPr>
+          <p:cNvSpPr/>
+          <p:nvPr/>
+        </p:nvSpPr>
+        <p:spPr>
+          <a:xfrm>
+            <a:off x="9099599" y="5120618"/>
+            <a:ext cx="2508309" cy="1325563"/>
+          </a:xfrm>
+          <a:prstGeom prst="rect">
+            <a:avLst/>
+          </a:prstGeom>
+        </p:spPr>
+        <p:style>
+          <a:lnRef idx="2">
+            <a:schemeClr val="accent2">
+              <a:shade val="50000"/>
+            </a:schemeClr>
+          </a:lnRef>
+          <a:fillRef idx="1">
+            <a:schemeClr val="accent2"/>
+          </a:fillRef>
+          <a:effectRef idx="0">
+            <a:schemeClr val="accent2"/>
+          </a:effectRef>
+          <a:fontRef idx="minor">
+            <a:schemeClr val="lt1"/>
+          </a:fontRef>
+        </p:style>
+        <p:txBody>
+          <a:bodyPr rtlCol="0" anchor="ctr"/>
+          <a:lstStyle/>
+          <a:p>
+            <a:pPr algn="ctr"/>
+            <a:r>
+              <a:rPr lang="en-GB" dirty="0"/>
+              <a:t>Telegram bot</a:t>
+            </a:r>
+          </a:p>
+        </p:txBody>
+      </p:sp>
+      <p:sp>
+        <p:nvSpPr>
+          <p:cNvPr id="200" name="Rechteck 199">
+            <a:extLst>
+              <a:ext uri="{FF2B5EF4-FFF2-40B4-BE49-F238E27FC236}">
+                <a16:creationId xmlns:a16="http://schemas.microsoft.com/office/drawing/2014/main" id="{9916E325-1412-4131-90EE-EC2CDF367116}"/>
+              </a:ext>
+            </a:extLst>
+          </p:cNvPr>
+          <p:cNvSpPr/>
+          <p:nvPr/>
+        </p:nvSpPr>
+        <p:spPr>
+          <a:xfrm>
+            <a:off x="7577914" y="5557419"/>
+            <a:ext cx="717602" cy="451962"/>
+          </a:xfrm>
+          <a:prstGeom prst="rect">
+            <a:avLst/>
+          </a:prstGeom>
+        </p:spPr>
+        <p:style>
+          <a:lnRef idx="2">
+            <a:schemeClr val="accent1">
+              <a:shade val="50000"/>
+            </a:schemeClr>
+          </a:lnRef>
+          <a:fillRef idx="1">
+            <a:schemeClr val="accent1"/>
+          </a:fillRef>
+          <a:effectRef idx="0">
+            <a:schemeClr val="accent1"/>
+          </a:effectRef>
+          <a:fontRef idx="minor">
+            <a:schemeClr val="lt1"/>
+          </a:fontRef>
+        </p:style>
+        <p:txBody>
+          <a:bodyPr rtlCol="0" anchor="ctr"/>
+          <a:lstStyle/>
+          <a:p>
+            <a:pPr algn="ctr"/>
+            <a:r>
+              <a:rPr lang="en-GB" dirty="0"/>
+              <a:t>&amp;</a:t>
+            </a:r>
+          </a:p>
+        </p:txBody>
+      </p:sp>
+      <p:sp>
+        <p:nvSpPr>
+          <p:cNvPr id="201" name="Rechteck 200">
+            <a:extLst>
+              <a:ext uri="{FF2B5EF4-FFF2-40B4-BE49-F238E27FC236}">
+                <a16:creationId xmlns:a16="http://schemas.microsoft.com/office/drawing/2014/main" id="{0E7790A3-09CC-4336-97BA-09DFE506E58C}"/>
+              </a:ext>
+            </a:extLst>
+          </p:cNvPr>
+          <p:cNvSpPr/>
+          <p:nvPr/>
+        </p:nvSpPr>
+        <p:spPr>
+          <a:xfrm>
+            <a:off x="5401786" y="6220200"/>
+            <a:ext cx="717603" cy="451962"/>
+          </a:xfrm>
+          <a:prstGeom prst="rect">
+            <a:avLst/>
+          </a:prstGeom>
+        </p:spPr>
+        <p:style>
+          <a:lnRef idx="2">
+            <a:schemeClr val="accent1">
+              <a:shade val="50000"/>
+            </a:schemeClr>
+          </a:lnRef>
+          <a:fillRef idx="1">
+            <a:schemeClr val="accent1"/>
+          </a:fillRef>
+          <a:effectRef idx="0">
+            <a:schemeClr val="accent1"/>
+          </a:effectRef>
+          <a:fontRef idx="minor">
+            <a:schemeClr val="lt1"/>
+          </a:fontRef>
+        </p:style>
+        <p:txBody>
+          <a:bodyPr rtlCol="0" anchor="ctr"/>
+          <a:lstStyle/>
+          <a:p>
+            <a:pPr algn="ctr"/>
+            <a:r>
+              <a:rPr lang="en-GB" dirty="0"/>
+              <a:t>&lt;0</a:t>
+            </a:r>
+          </a:p>
+        </p:txBody>
+      </p:sp>
+      <p:cxnSp>
+        <p:nvCxnSpPr>
+          <p:cNvPr id="203" name="Verbinder: gewinkelt 202">
+            <a:extLst>
+              <a:ext uri="{FF2B5EF4-FFF2-40B4-BE49-F238E27FC236}">
+                <a16:creationId xmlns:a16="http://schemas.microsoft.com/office/drawing/2014/main" id="{5376491A-7A08-4D08-BB88-F3E299536D74}"/>
+              </a:ext>
+            </a:extLst>
+          </p:cNvPr>
+          <p:cNvCxnSpPr>
+            <a:cxnSpLocks/>
+            <a:stCxn id="121" idx="3"/>
+            <a:endCxn id="200" idx="1"/>
+          </p:cNvCxnSpPr>
+          <p:nvPr/>
+        </p:nvCxnSpPr>
+        <p:spPr>
+          <a:xfrm>
+            <a:off x="6119390" y="4718567"/>
+            <a:ext cx="1458524" cy="1064833"/>
+          </a:xfrm>
+          <a:prstGeom prst="bentConnector3">
+            <a:avLst>
+              <a:gd name="adj1" fmla="val 10483"/>
+            </a:avLst>
+          </a:prstGeom>
+          <a:ln>
+            <a:tailEnd type="triangle"/>
+          </a:ln>
+        </p:spPr>
+        <p:style>
+          <a:lnRef idx="1">
+            <a:schemeClr val="accent1"/>
+          </a:lnRef>
+          <a:fillRef idx="0">
+            <a:schemeClr val="accent1"/>
+          </a:fillRef>
+          <a:effectRef idx="0">
+            <a:schemeClr val="accent1"/>
+          </a:effectRef>
+          <a:fontRef idx="minor">
+            <a:schemeClr val="tx1"/>
+          </a:fontRef>
+        </p:style>
+      </p:cxnSp>
+      <p:cxnSp>
+        <p:nvCxnSpPr>
+          <p:cNvPr id="205" name="Verbinder: gewinkelt 204">
+            <a:extLst>
+              <a:ext uri="{FF2B5EF4-FFF2-40B4-BE49-F238E27FC236}">
+                <a16:creationId xmlns:a16="http://schemas.microsoft.com/office/drawing/2014/main" id="{9447B63D-C0A6-49A2-A07B-321C1EF288F9}"/>
+              </a:ext>
+            </a:extLst>
+          </p:cNvPr>
+          <p:cNvCxnSpPr>
+            <a:cxnSpLocks/>
+            <a:stCxn id="201" idx="3"/>
+            <a:endCxn id="200" idx="2"/>
+          </p:cNvCxnSpPr>
+          <p:nvPr/>
+        </p:nvCxnSpPr>
+        <p:spPr>
+          <a:xfrm flipV="1">
+            <a:off x="6119389" y="6009381"/>
+            <a:ext cx="1817326" cy="436800"/>
+          </a:xfrm>
+          <a:prstGeom prst="bentConnector2">
+            <a:avLst/>
+          </a:prstGeom>
+          <a:ln>
+            <a:tailEnd type="triangle"/>
+          </a:ln>
+        </p:spPr>
+        <p:style>
+          <a:lnRef idx="1">
+            <a:schemeClr val="accent1"/>
+          </a:lnRef>
+          <a:fillRef idx="0">
+            <a:schemeClr val="accent1"/>
+          </a:fillRef>
+          <a:effectRef idx="0">
+            <a:schemeClr val="accent1"/>
+          </a:effectRef>
+          <a:fontRef idx="minor">
+            <a:schemeClr val="tx1"/>
+          </a:fontRef>
+        </p:style>
+      </p:cxnSp>
+      <p:cxnSp>
+        <p:nvCxnSpPr>
+          <p:cNvPr id="220" name="Gerade Verbindung mit Pfeil 219">
+            <a:extLst>
+              <a:ext uri="{FF2B5EF4-FFF2-40B4-BE49-F238E27FC236}">
+                <a16:creationId xmlns:a16="http://schemas.microsoft.com/office/drawing/2014/main" id="{E9AB3CB6-5CB0-4B92-BE7F-63CA16B8FA3F}"/>
+              </a:ext>
+            </a:extLst>
+          </p:cNvPr>
+          <p:cNvCxnSpPr>
+            <a:cxnSpLocks/>
+            <a:stCxn id="200" idx="3"/>
+            <a:endCxn id="199" idx="1"/>
+          </p:cNvCxnSpPr>
+          <p:nvPr/>
+        </p:nvCxnSpPr>
+        <p:spPr>
+          <a:xfrm>
+            <a:off x="8295516" y="5783400"/>
+            <a:ext cx="804083" cy="0"/>
+          </a:xfrm>
+          <a:prstGeom prst="straightConnector1">
+            <a:avLst/>
+          </a:prstGeom>
+          <a:ln>
+            <a:tailEnd type="triangle"/>
+          </a:ln>
+        </p:spPr>
+        <p:style>
+          <a:lnRef idx="1">
+            <a:schemeClr val="accent1"/>
+          </a:lnRef>
+          <a:fillRef idx="0">
+            <a:schemeClr val="accent1"/>
+          </a:fillRef>
+          <a:effectRef idx="0">
+            <a:schemeClr val="accent1"/>
+          </a:effectRef>
+          <a:fontRef idx="minor">
+            <a:schemeClr val="tx1"/>
+          </a:fontRef>
+        </p:style>
+      </p:cxnSp>
+      <p:cxnSp>
+        <p:nvCxnSpPr>
+          <p:cNvPr id="227" name="Verbinder: gewinkelt 226">
+            <a:extLst>
+              <a:ext uri="{FF2B5EF4-FFF2-40B4-BE49-F238E27FC236}">
+                <a16:creationId xmlns:a16="http://schemas.microsoft.com/office/drawing/2014/main" id="{0FDFBBC3-9EE5-447C-85CA-191638FCD053}"/>
+              </a:ext>
+            </a:extLst>
+          </p:cNvPr>
+          <p:cNvCxnSpPr>
+            <a:cxnSpLocks/>
+            <a:stCxn id="18" idx="3"/>
+            <a:endCxn id="201" idx="1"/>
+          </p:cNvCxnSpPr>
+          <p:nvPr/>
+        </p:nvCxnSpPr>
+        <p:spPr>
+          <a:xfrm>
+            <a:off x="2940699" y="3417577"/>
+            <a:ext cx="2461087" cy="3028604"/>
+          </a:xfrm>
+          <a:prstGeom prst="bentConnector3">
+            <a:avLst>
+              <a:gd name="adj1" fmla="val 27833"/>
+            </a:avLst>
+          </a:prstGeom>
+          <a:ln>
+            <a:tailEnd type="triangle"/>
+          </a:ln>
+        </p:spPr>
+        <p:style>
+          <a:lnRef idx="1">
+            <a:schemeClr val="accent1"/>
+          </a:lnRef>
+          <a:fillRef idx="0">
+            <a:schemeClr val="accent1"/>
+          </a:fillRef>
+          <a:effectRef idx="0">
+            <a:schemeClr val="accent1"/>
+          </a:effectRef>
+          <a:fontRef idx="minor">
+            <a:schemeClr val="tx1"/>
+          </a:fontRef>
+        </p:style>
+      </p:cxnSp>
+    </p:spTree>
+    <p:extLst>
+      <p:ext uri="{BB962C8B-B14F-4D97-AF65-F5344CB8AC3E}">
+        <p14:creationId xmlns:p14="http://schemas.microsoft.com/office/powerpoint/2010/main" val="3281753004"/>
+      </p:ext>
+    </p:extLst>
+  </p:cSld>
+  <p:clrMapOvr>
+    <a:masterClrMapping/>
+  </p:clrMapOvr>
+</p:sld>
+</file>
+
+<file path=ppt/slides/slide4.xml><?xml version="1.0" encoding="utf-8"?>
+<p:sld xmlns:a="http://schemas.openxmlformats.org/drawingml/2006/main" xmlns:r="http://schemas.openxmlformats.org/officeDocument/2006/relationships" xmlns:p="http://schemas.openxmlformats.org/presentationml/2006/main">
+  <p:cSld>
+    <p:spTree>
+      <p:nvGrpSpPr>
+        <p:cNvPr id="1" name=""/>
+        <p:cNvGrpSpPr/>
+        <p:nvPr/>
+      </p:nvGrpSpPr>
+      <p:grpSpPr>
+        <a:xfrm>
+          <a:off x="0" y="0"/>
+          <a:ext cx="0" cy="0"/>
+          <a:chOff x="0" y="0"/>
+          <a:chExt cx="0" cy="0"/>
+        </a:xfrm>
+      </p:grpSpPr>
+      <p:sp>
+        <p:nvSpPr>
+          <p:cNvPr id="2" name="Titel 1">
+            <a:extLst>
+              <a:ext uri="{FF2B5EF4-FFF2-40B4-BE49-F238E27FC236}">
                 <a16:creationId xmlns:a16="http://schemas.microsoft.com/office/drawing/2014/main" id="{DF3A5605-BAAE-4CC0-93F0-B05F73F7A923}"/>
               </a:ext>
             </a:extLst>
